--- a/plan/중간 발표.pptx
+++ b/plan/중간 발표.pptx
@@ -8129,7 +8129,7 @@
               <a:pPr>
                 <a:defRPr/>
               </a:pPr>
-              <a:t>2021-05-01</a:t>
+              <a:t>2021-05-02</a:t>
             </a:fld>
             <a:endParaRPr lang="ko-KR" altLang="en-US"/>
           </a:p>
@@ -14422,7 +14422,7 @@
             </a:pPr>
             <a:fld id="{5486899A-B482-468C-B803-6F9DCCC41057}" type="datetime1">
               <a:rPr lang="ko-KR" altLang="en-US" smtClean="0"/>
-              <a:t>2021-05-01</a:t>
+              <a:t>2021-05-02</a:t>
             </a:fld>
             <a:endParaRPr lang="ko-KR" altLang="en-US"/>
           </a:p>
@@ -14632,7 +14632,7 @@
             </a:pPr>
             <a:fld id="{0C6B3E7E-942D-4D2B-A87A-646E5F906C86}" type="datetime1">
               <a:rPr lang="ko-KR" altLang="en-US" smtClean="0"/>
-              <a:t>2021-05-01</a:t>
+              <a:t>2021-05-02</a:t>
             </a:fld>
             <a:endParaRPr lang="ko-KR" altLang="en-US"/>
           </a:p>
@@ -14852,7 +14852,7 @@
             </a:pPr>
             <a:fld id="{79C27E8B-F4DE-43E1-8EF5-1B1D4A21E4F0}" type="datetime1">
               <a:rPr lang="ko-KR" altLang="en-US" smtClean="0"/>
-              <a:t>2021-05-01</a:t>
+              <a:t>2021-05-02</a:t>
             </a:fld>
             <a:endParaRPr lang="ko-KR" altLang="en-US"/>
           </a:p>
@@ -15062,7 +15062,7 @@
             </a:pPr>
             <a:fld id="{322B7E88-5B86-4C22-A81D-379C98FCAB6E}" type="datetime1">
               <a:rPr lang="ko-KR" altLang="en-US" smtClean="0"/>
-              <a:t>2021-05-01</a:t>
+              <a:t>2021-05-02</a:t>
             </a:fld>
             <a:endParaRPr lang="ko-KR" altLang="en-US"/>
           </a:p>
@@ -15349,7 +15349,7 @@
             </a:pPr>
             <a:fld id="{E8584FE7-2774-4C72-98FC-D5B4D89793B2}" type="datetime1">
               <a:rPr lang="ko-KR" altLang="en-US" smtClean="0"/>
-              <a:t>2021-05-01</a:t>
+              <a:t>2021-05-02</a:t>
             </a:fld>
             <a:endParaRPr lang="ko-KR" altLang="en-US"/>
           </a:p>
@@ -15676,7 +15676,7 @@
             </a:pPr>
             <a:fld id="{B0C6F375-9695-4305-B5ED-BF1233E2F3B0}" type="datetime1">
               <a:rPr lang="ko-KR" altLang="en-US" smtClean="0"/>
-              <a:t>2021-05-01</a:t>
+              <a:t>2021-05-02</a:t>
             </a:fld>
             <a:endParaRPr lang="ko-KR" altLang="en-US"/>
           </a:p>
@@ -16137,7 +16137,7 @@
             </a:pPr>
             <a:fld id="{AFB6D677-936A-4805-A534-532CEEEE8EF0}" type="datetime1">
               <a:rPr lang="ko-KR" altLang="en-US" smtClean="0"/>
-              <a:t>2021-05-01</a:t>
+              <a:t>2021-05-02</a:t>
             </a:fld>
             <a:endParaRPr lang="ko-KR" altLang="en-US"/>
           </a:p>
@@ -16296,7 +16296,7 @@
             </a:pPr>
             <a:fld id="{6E30873D-3A7F-447D-8C7C-6ECF4BDEAE3B}" type="datetime1">
               <a:rPr lang="ko-KR" altLang="en-US" smtClean="0"/>
-              <a:t>2021-05-01</a:t>
+              <a:t>2021-05-02</a:t>
             </a:fld>
             <a:endParaRPr lang="ko-KR" altLang="en-US"/>
           </a:p>
@@ -16433,7 +16433,7 @@
             </a:pPr>
             <a:fld id="{E5D6B1F7-A3D7-4F1E-BC40-49F0A0DB361D}" type="datetime1">
               <a:rPr lang="ko-KR" altLang="en-US" smtClean="0"/>
-              <a:t>2021-05-01</a:t>
+              <a:t>2021-05-02</a:t>
             </a:fld>
             <a:endParaRPr lang="ko-KR" altLang="en-US"/>
           </a:p>
@@ -16750,7 +16750,7 @@
             </a:pPr>
             <a:fld id="{EAA0A158-D0A2-4340-AA06-F582032B3CC8}" type="datetime1">
               <a:rPr lang="ko-KR" altLang="en-US" smtClean="0"/>
-              <a:t>2021-05-01</a:t>
+              <a:t>2021-05-02</a:t>
             </a:fld>
             <a:endParaRPr lang="ko-KR" altLang="en-US"/>
           </a:p>
@@ -17047,7 +17047,7 @@
             </a:pPr>
             <a:fld id="{FD759102-C951-41EC-93B5-673FBEBA5D28}" type="datetime1">
               <a:rPr lang="ko-KR" altLang="en-US" smtClean="0"/>
-              <a:t>2021-05-01</a:t>
+              <a:t>2021-05-02</a:t>
             </a:fld>
             <a:endParaRPr lang="ko-KR" altLang="en-US"/>
           </a:p>
@@ -17370,7 +17370,7 @@
             </a:pPr>
             <a:fld id="{65CDBC82-233B-450A-ACEB-FF1DDA8518B1}" type="datetime1">
               <a:rPr lang="ko-KR" altLang="en-US" smtClean="0"/>
-              <a:t>2021-05-01</a:t>
+              <a:t>2021-05-02</a:t>
             </a:fld>
             <a:endParaRPr lang="ko-KR" altLang="en-US"/>
           </a:p>
@@ -29773,264 +29773,6 @@
           </a:effectLst>
         </p:spPr>
       </p:pic>
-      <p:pic>
-        <p:nvPicPr>
-          <p:cNvPr id="6" name="그림 5" descr="남자, 어두운, 서있는, 평야이(가) 표시된 사진&#10;&#10;자동 생성된 설명">
-            <a:extLst>
-              <a:ext uri="{FF2B5EF4-FFF2-40B4-BE49-F238E27FC236}">
-                <a16:creationId xmlns:a16="http://schemas.microsoft.com/office/drawing/2014/main" id="{0E04450F-93D6-4637-8ABE-7D14308A38BD}"/>
-              </a:ext>
-            </a:extLst>
-          </p:cNvPr>
-          <p:cNvPicPr>
-            <a:picLocks noChangeAspect="1"/>
-          </p:cNvPicPr>
-          <p:nvPr/>
-        </p:nvPicPr>
-        <p:blipFill>
-          <a:blip r:embed="rId4"/>
-          <a:stretch>
-            <a:fillRect/>
-          </a:stretch>
-        </p:blipFill>
-        <p:spPr>
-          <a:xfrm>
-            <a:off x="6247050" y="1830355"/>
-            <a:ext cx="512313" cy="531362"/>
-          </a:xfrm>
-          <a:prstGeom prst="rect">
-            <a:avLst/>
-          </a:prstGeom>
-          <a:ln w="127000" cap="sq">
-            <a:solidFill>
-              <a:schemeClr val="accent2"/>
-            </a:solidFill>
-            <a:miter lim="800000"/>
-          </a:ln>
-          <a:effectLst>
-            <a:outerShdw blurRad="57150" dist="50800" dir="2700000" algn="tl" rotWithShape="0">
-              <a:srgbClr val="000000">
-                <a:alpha val="40000"/>
-              </a:srgbClr>
-            </a:outerShdw>
-          </a:effectLst>
-        </p:spPr>
-      </p:pic>
-      <p:pic>
-        <p:nvPicPr>
-          <p:cNvPr id="14" name="그림 13" descr="남자, 어두운, 서있는, 평야이(가) 표시된 사진&#10;&#10;자동 생성된 설명">
-            <a:extLst>
-              <a:ext uri="{FF2B5EF4-FFF2-40B4-BE49-F238E27FC236}">
-                <a16:creationId xmlns:a16="http://schemas.microsoft.com/office/drawing/2014/main" id="{B72AE41A-1731-4035-BC34-142076D38195}"/>
-              </a:ext>
-            </a:extLst>
-          </p:cNvPr>
-          <p:cNvPicPr>
-            <a:picLocks noChangeAspect="1"/>
-          </p:cNvPicPr>
-          <p:nvPr/>
-        </p:nvPicPr>
-        <p:blipFill>
-          <a:blip r:embed="rId4"/>
-          <a:stretch>
-            <a:fillRect/>
-          </a:stretch>
-        </p:blipFill>
-        <p:spPr>
-          <a:xfrm>
-            <a:off x="6823050" y="3000355"/>
-            <a:ext cx="512313" cy="531362"/>
-          </a:xfrm>
-          <a:prstGeom prst="rect">
-            <a:avLst/>
-          </a:prstGeom>
-          <a:ln w="127000" cap="sq">
-            <a:solidFill>
-              <a:schemeClr val="accent2"/>
-            </a:solidFill>
-            <a:miter lim="800000"/>
-          </a:ln>
-          <a:effectLst>
-            <a:outerShdw blurRad="57150" dist="50800" dir="2700000" algn="tl" rotWithShape="0">
-              <a:srgbClr val="000000">
-                <a:alpha val="40000"/>
-              </a:srgbClr>
-            </a:outerShdw>
-          </a:effectLst>
-        </p:spPr>
-      </p:pic>
-      <p:pic>
-        <p:nvPicPr>
-          <p:cNvPr id="15" name="그림 14" descr="남자, 어두운, 서있는, 평야이(가) 표시된 사진&#10;&#10;자동 생성된 설명">
-            <a:extLst>
-              <a:ext uri="{FF2B5EF4-FFF2-40B4-BE49-F238E27FC236}">
-                <a16:creationId xmlns:a16="http://schemas.microsoft.com/office/drawing/2014/main" id="{9CFB429C-1095-4CDC-9EB2-7EEEF9AA4B65}"/>
-              </a:ext>
-            </a:extLst>
-          </p:cNvPr>
-          <p:cNvPicPr>
-            <a:picLocks noChangeAspect="1"/>
-          </p:cNvPicPr>
-          <p:nvPr/>
-        </p:nvPicPr>
-        <p:blipFill>
-          <a:blip r:embed="rId4"/>
-          <a:stretch>
-            <a:fillRect/>
-          </a:stretch>
-        </p:blipFill>
-        <p:spPr>
-          <a:xfrm>
-            <a:off x="5032050" y="1380355"/>
-            <a:ext cx="512313" cy="531362"/>
-          </a:xfrm>
-          <a:prstGeom prst="rect">
-            <a:avLst/>
-          </a:prstGeom>
-          <a:ln w="127000" cap="sq">
-            <a:solidFill>
-              <a:schemeClr val="accent2"/>
-            </a:solidFill>
-            <a:miter lim="800000"/>
-          </a:ln>
-          <a:effectLst>
-            <a:outerShdw blurRad="57150" dist="50800" dir="2700000" algn="tl" rotWithShape="0">
-              <a:srgbClr val="000000">
-                <a:alpha val="40000"/>
-              </a:srgbClr>
-            </a:outerShdw>
-          </a:effectLst>
-        </p:spPr>
-      </p:pic>
-      <p:pic>
-        <p:nvPicPr>
-          <p:cNvPr id="16" name="그림 15" descr="남자, 어두운, 서있는, 평야이(가) 표시된 사진&#10;&#10;자동 생성된 설명">
-            <a:extLst>
-              <a:ext uri="{FF2B5EF4-FFF2-40B4-BE49-F238E27FC236}">
-                <a16:creationId xmlns:a16="http://schemas.microsoft.com/office/drawing/2014/main" id="{66FE9FAB-F877-4EF8-9D1A-30635B36B646}"/>
-              </a:ext>
-            </a:extLst>
-          </p:cNvPr>
-          <p:cNvPicPr>
-            <a:picLocks noChangeAspect="1"/>
-          </p:cNvPicPr>
-          <p:nvPr/>
-        </p:nvPicPr>
-        <p:blipFill>
-          <a:blip r:embed="rId4"/>
-          <a:stretch>
-            <a:fillRect/>
-          </a:stretch>
-        </p:blipFill>
-        <p:spPr>
-          <a:xfrm flipH="1">
-            <a:off x="3438363" y="1380355"/>
-            <a:ext cx="549687" cy="531362"/>
-          </a:xfrm>
-          <a:prstGeom prst="rect">
-            <a:avLst/>
-          </a:prstGeom>
-          <a:ln w="127000" cap="sq">
-            <a:solidFill>
-              <a:schemeClr val="accent2"/>
-            </a:solidFill>
-            <a:miter lim="800000"/>
-          </a:ln>
-          <a:effectLst>
-            <a:outerShdw blurRad="57150" dist="50800" dir="2700000" algn="tl" rotWithShape="0">
-              <a:srgbClr val="000000">
-                <a:alpha val="40000"/>
-              </a:srgbClr>
-            </a:outerShdw>
-          </a:effectLst>
-        </p:spPr>
-      </p:pic>
-      <p:pic>
-        <p:nvPicPr>
-          <p:cNvPr id="17" name="그림 16" descr="남자, 어두운, 서있는, 평야이(가) 표시된 사진&#10;&#10;자동 생성된 설명">
-            <a:extLst>
-              <a:ext uri="{FF2B5EF4-FFF2-40B4-BE49-F238E27FC236}">
-                <a16:creationId xmlns:a16="http://schemas.microsoft.com/office/drawing/2014/main" id="{9D44D1C2-BC5C-4E5D-B5EA-B0DEC1AF208D}"/>
-              </a:ext>
-            </a:extLst>
-          </p:cNvPr>
-          <p:cNvPicPr>
-            <a:picLocks noChangeAspect="1"/>
-          </p:cNvPicPr>
-          <p:nvPr/>
-        </p:nvPicPr>
-        <p:blipFill>
-          <a:blip r:embed="rId4"/>
-          <a:stretch>
-            <a:fillRect/>
-          </a:stretch>
-        </p:blipFill>
-        <p:spPr>
-          <a:xfrm flipH="1">
-            <a:off x="2241363" y="1830355"/>
-            <a:ext cx="531687" cy="531362"/>
-          </a:xfrm>
-          <a:prstGeom prst="rect">
-            <a:avLst/>
-          </a:prstGeom>
-          <a:ln w="127000" cap="sq">
-            <a:solidFill>
-              <a:schemeClr val="accent2"/>
-            </a:solidFill>
-            <a:miter lim="800000"/>
-          </a:ln>
-          <a:effectLst>
-            <a:outerShdw blurRad="57150" dist="50800" dir="2700000" algn="tl" rotWithShape="0">
-              <a:srgbClr val="000000">
-                <a:alpha val="40000"/>
-              </a:srgbClr>
-            </a:outerShdw>
-          </a:effectLst>
-        </p:spPr>
-      </p:pic>
-      <p:pic>
-        <p:nvPicPr>
-          <p:cNvPr id="18" name="그림 17" descr="남자, 어두운, 서있는, 평야이(가) 표시된 사진&#10;&#10;자동 생성된 설명">
-            <a:extLst>
-              <a:ext uri="{FF2B5EF4-FFF2-40B4-BE49-F238E27FC236}">
-                <a16:creationId xmlns:a16="http://schemas.microsoft.com/office/drawing/2014/main" id="{911E32D0-F3AE-4CB6-995A-4A713047340E}"/>
-              </a:ext>
-            </a:extLst>
-          </p:cNvPr>
-          <p:cNvPicPr>
-            <a:picLocks noChangeAspect="1"/>
-          </p:cNvPicPr>
-          <p:nvPr/>
-        </p:nvPicPr>
-        <p:blipFill>
-          <a:blip r:embed="rId4"/>
-          <a:stretch>
-            <a:fillRect/>
-          </a:stretch>
-        </p:blipFill>
-        <p:spPr>
-          <a:xfrm flipH="1">
-            <a:off x="1800363" y="3000355"/>
-            <a:ext cx="486687" cy="531362"/>
-          </a:xfrm>
-          <a:prstGeom prst="rect">
-            <a:avLst/>
-          </a:prstGeom>
-          <a:ln w="127000" cap="sq">
-            <a:solidFill>
-              <a:schemeClr val="accent2"/>
-            </a:solidFill>
-            <a:miter lim="800000"/>
-          </a:ln>
-          <a:effectLst>
-            <a:outerShdw blurRad="57150" dist="50800" dir="2700000" algn="tl" rotWithShape="0">
-              <a:srgbClr val="000000">
-                <a:alpha val="40000"/>
-              </a:srgbClr>
-            </a:outerShdw>
-          </a:effectLst>
-        </p:spPr>
-      </p:pic>
       <p:sp>
         <p:nvSpPr>
           <p:cNvPr id="2" name="슬라이드 번호 개체 틀 1">
@@ -30066,55 +29808,442 @@
           </a:p>
         </p:txBody>
       </p:sp>
-      <p:sp>
-        <p:nvSpPr>
-          <p:cNvPr id="19" name="직사각형 18">
+      <p:grpSp>
+        <p:nvGrpSpPr>
+          <p:cNvPr id="8" name="그룹 7">
             <a:extLst>
               <a:ext uri="{FF2B5EF4-FFF2-40B4-BE49-F238E27FC236}">
-                <a16:creationId xmlns:a16="http://schemas.microsoft.com/office/drawing/2014/main" id="{EC7D7EB3-02EE-4BC4-AEE0-4BBB4143230E}"/>
+                <a16:creationId xmlns:a16="http://schemas.microsoft.com/office/drawing/2014/main" id="{930C4DDE-4A59-4315-94B5-86839264CFF9}"/>
               </a:ext>
             </a:extLst>
           </p:cNvPr>
-          <p:cNvSpPr/>
+          <p:cNvGrpSpPr/>
           <p:nvPr/>
-        </p:nvSpPr>
-        <p:spPr>
+        </p:nvGrpSpPr>
+        <p:grpSpPr>
           <a:xfrm>
-            <a:off x="79953" y="-72675"/>
-            <a:ext cx="757645" cy="683863"/>
+            <a:off x="1124088" y="2630374"/>
+            <a:ext cx="867589" cy="980944"/>
+            <a:chOff x="1124088" y="2630374"/>
+            <a:chExt cx="867589" cy="980944"/>
           </a:xfrm>
-          <a:prstGeom prst="rect">
-            <a:avLst/>
-          </a:prstGeom>
-          <a:solidFill>
-            <a:srgbClr val="FF0000"/>
-          </a:solidFill>
-        </p:spPr>
-        <p:style>
-          <a:lnRef idx="2">
-            <a:schemeClr val="accent1">
-              <a:shade val="50000"/>
-            </a:schemeClr>
-          </a:lnRef>
-          <a:fillRef idx="1">
-            <a:schemeClr val="accent1"/>
-          </a:fillRef>
-          <a:effectRef idx="0">
-            <a:schemeClr val="accent1"/>
-          </a:effectRef>
-          <a:fontRef idx="minor">
-            <a:schemeClr val="lt1"/>
-          </a:fontRef>
-        </p:style>
-        <p:txBody>
-          <a:bodyPr rtlCol="0" anchor="ctr"/>
-          <a:lstStyle/>
-          <a:p>
-            <a:pPr algn="ctr"/>
-            <a:endParaRPr lang="ko-KR" altLang="en-US"/>
-          </a:p>
-        </p:txBody>
-      </p:sp>
+        </p:grpSpPr>
+        <p:pic>
+          <p:nvPicPr>
+            <p:cNvPr id="5" name="그림 4">
+              <a:extLst>
+                <a:ext uri="{FF2B5EF4-FFF2-40B4-BE49-F238E27FC236}">
+                  <a16:creationId xmlns:a16="http://schemas.microsoft.com/office/drawing/2014/main" id="{37B7F043-CBA8-44BD-8673-9848DD9575AC}"/>
+                </a:ext>
+              </a:extLst>
+            </p:cNvPr>
+            <p:cNvPicPr>
+              <a:picLocks noChangeAspect="1"/>
+            </p:cNvPicPr>
+            <p:nvPr/>
+          </p:nvPicPr>
+          <p:blipFill>
+            <a:blip r:embed="rId4">
+              <a:extLst>
+                <a:ext uri="{28A0092B-C50C-407E-A947-70E740481C1C}">
+                  <a14:useLocalDpi xmlns:a14="http://schemas.microsoft.com/office/drawing/2010/main" val="0"/>
+                </a:ext>
+              </a:extLst>
+            </a:blip>
+            <a:stretch>
+              <a:fillRect/>
+            </a:stretch>
+          </p:blipFill>
+          <p:spPr>
+            <a:xfrm rot="20503169">
+              <a:off x="1286324" y="2720352"/>
+              <a:ext cx="543116" cy="740612"/>
+            </a:xfrm>
+            <a:prstGeom prst="rect">
+              <a:avLst/>
+            </a:prstGeom>
+          </p:spPr>
+        </p:pic>
+        <p:sp>
+          <p:nvSpPr>
+            <p:cNvPr id="7" name="직사각형 6">
+              <a:extLst>
+                <a:ext uri="{FF2B5EF4-FFF2-40B4-BE49-F238E27FC236}">
+                  <a16:creationId xmlns:a16="http://schemas.microsoft.com/office/drawing/2014/main" id="{BC06EC91-7035-4C1E-8F90-6FE83DCD4355}"/>
+                </a:ext>
+              </a:extLst>
+            </p:cNvPr>
+            <p:cNvSpPr/>
+            <p:nvPr/>
+          </p:nvSpPr>
+          <p:spPr>
+            <a:xfrm>
+              <a:off x="1124088" y="2630374"/>
+              <a:ext cx="867589" cy="980944"/>
+            </a:xfrm>
+            <a:prstGeom prst="rect">
+              <a:avLst/>
+            </a:prstGeom>
+            <a:noFill/>
+            <a:ln w="76200">
+              <a:solidFill>
+                <a:srgbClr val="FF0000"/>
+              </a:solidFill>
+            </a:ln>
+          </p:spPr>
+          <p:style>
+            <a:lnRef idx="2">
+              <a:schemeClr val="accent1">
+                <a:shade val="50000"/>
+              </a:schemeClr>
+            </a:lnRef>
+            <a:fillRef idx="1">
+              <a:schemeClr val="accent1"/>
+            </a:fillRef>
+            <a:effectRef idx="0">
+              <a:schemeClr val="accent1"/>
+            </a:effectRef>
+            <a:fontRef idx="minor">
+              <a:schemeClr val="lt1"/>
+            </a:fontRef>
+          </p:style>
+          <p:txBody>
+            <a:bodyPr rtlCol="0" anchor="ctr"/>
+            <a:lstStyle/>
+            <a:p>
+              <a:pPr algn="ctr"/>
+              <a:endParaRPr lang="ko-KR" altLang="en-US"/>
+            </a:p>
+          </p:txBody>
+        </p:sp>
+      </p:grpSp>
+      <p:grpSp>
+        <p:nvGrpSpPr>
+          <p:cNvPr id="22" name="그룹 21">
+            <a:extLst>
+              <a:ext uri="{FF2B5EF4-FFF2-40B4-BE49-F238E27FC236}">
+                <a16:creationId xmlns:a16="http://schemas.microsoft.com/office/drawing/2014/main" id="{E412DDF9-4F6F-49BF-817F-61665FB457E4}"/>
+              </a:ext>
+            </a:extLst>
+          </p:cNvPr>
+          <p:cNvGrpSpPr/>
+          <p:nvPr/>
+        </p:nvGrpSpPr>
+        <p:grpSpPr>
+          <a:xfrm>
+            <a:off x="2840811" y="1437482"/>
+            <a:ext cx="867589" cy="980944"/>
+            <a:chOff x="1124088" y="2630374"/>
+            <a:chExt cx="867589" cy="980944"/>
+          </a:xfrm>
+        </p:grpSpPr>
+        <p:pic>
+          <p:nvPicPr>
+            <p:cNvPr id="23" name="그림 22">
+              <a:extLst>
+                <a:ext uri="{FF2B5EF4-FFF2-40B4-BE49-F238E27FC236}">
+                  <a16:creationId xmlns:a16="http://schemas.microsoft.com/office/drawing/2014/main" id="{3EBA9DBB-F57A-49D0-BDFD-4CABCD57C66F}"/>
+                </a:ext>
+              </a:extLst>
+            </p:cNvPr>
+            <p:cNvPicPr>
+              <a:picLocks noChangeAspect="1"/>
+            </p:cNvPicPr>
+            <p:nvPr/>
+          </p:nvPicPr>
+          <p:blipFill>
+            <a:blip r:embed="rId4">
+              <a:extLst>
+                <a:ext uri="{28A0092B-C50C-407E-A947-70E740481C1C}">
+                  <a14:useLocalDpi xmlns:a14="http://schemas.microsoft.com/office/drawing/2010/main" val="0"/>
+                </a:ext>
+              </a:extLst>
+            </a:blip>
+            <a:stretch>
+              <a:fillRect/>
+            </a:stretch>
+          </p:blipFill>
+          <p:spPr>
+            <a:xfrm rot="20503169">
+              <a:off x="1286324" y="2720352"/>
+              <a:ext cx="543116" cy="740612"/>
+            </a:xfrm>
+            <a:prstGeom prst="rect">
+              <a:avLst/>
+            </a:prstGeom>
+          </p:spPr>
+        </p:pic>
+        <p:sp>
+          <p:nvSpPr>
+            <p:cNvPr id="24" name="직사각형 23">
+              <a:extLst>
+                <a:ext uri="{FF2B5EF4-FFF2-40B4-BE49-F238E27FC236}">
+                  <a16:creationId xmlns:a16="http://schemas.microsoft.com/office/drawing/2014/main" id="{FBA2A119-47CF-420E-A928-4E06B1E52586}"/>
+                </a:ext>
+              </a:extLst>
+            </p:cNvPr>
+            <p:cNvSpPr/>
+            <p:nvPr/>
+          </p:nvSpPr>
+          <p:spPr>
+            <a:xfrm>
+              <a:off x="1124088" y="2630374"/>
+              <a:ext cx="867589" cy="980944"/>
+            </a:xfrm>
+            <a:prstGeom prst="rect">
+              <a:avLst/>
+            </a:prstGeom>
+            <a:noFill/>
+            <a:ln w="76200">
+              <a:solidFill>
+                <a:srgbClr val="FF0000"/>
+              </a:solidFill>
+            </a:ln>
+          </p:spPr>
+          <p:style>
+            <a:lnRef idx="2">
+              <a:schemeClr val="accent1">
+                <a:shade val="50000"/>
+              </a:schemeClr>
+            </a:lnRef>
+            <a:fillRef idx="1">
+              <a:schemeClr val="accent1"/>
+            </a:fillRef>
+            <a:effectRef idx="0">
+              <a:schemeClr val="accent1"/>
+            </a:effectRef>
+            <a:fontRef idx="minor">
+              <a:schemeClr val="lt1"/>
+            </a:fontRef>
+          </p:style>
+          <p:txBody>
+            <a:bodyPr rtlCol="0" anchor="ctr"/>
+            <a:lstStyle/>
+            <a:p>
+              <a:pPr algn="ctr"/>
+              <a:endParaRPr lang="ko-KR" altLang="en-US"/>
+            </a:p>
+          </p:txBody>
+        </p:sp>
+      </p:grpSp>
+      <p:grpSp>
+        <p:nvGrpSpPr>
+          <p:cNvPr id="25" name="그룹 24">
+            <a:extLst>
+              <a:ext uri="{FF2B5EF4-FFF2-40B4-BE49-F238E27FC236}">
+                <a16:creationId xmlns:a16="http://schemas.microsoft.com/office/drawing/2014/main" id="{2D775E09-2E03-4DB0-A250-22F397399051}"/>
+              </a:ext>
+            </a:extLst>
+          </p:cNvPr>
+          <p:cNvGrpSpPr/>
+          <p:nvPr/>
+        </p:nvGrpSpPr>
+        <p:grpSpPr>
+          <a:xfrm flipH="1">
+            <a:off x="5193423" y="1460969"/>
+            <a:ext cx="840617" cy="980944"/>
+            <a:chOff x="1124088" y="2630374"/>
+            <a:chExt cx="867589" cy="980944"/>
+          </a:xfrm>
+        </p:grpSpPr>
+        <p:pic>
+          <p:nvPicPr>
+            <p:cNvPr id="26" name="그림 25">
+              <a:extLst>
+                <a:ext uri="{FF2B5EF4-FFF2-40B4-BE49-F238E27FC236}">
+                  <a16:creationId xmlns:a16="http://schemas.microsoft.com/office/drawing/2014/main" id="{324E44BD-7013-4C5A-8273-AE77C3D2FF64}"/>
+                </a:ext>
+              </a:extLst>
+            </p:cNvPr>
+            <p:cNvPicPr>
+              <a:picLocks noChangeAspect="1"/>
+            </p:cNvPicPr>
+            <p:nvPr/>
+          </p:nvPicPr>
+          <p:blipFill>
+            <a:blip r:embed="rId4">
+              <a:extLst>
+                <a:ext uri="{28A0092B-C50C-407E-A947-70E740481C1C}">
+                  <a14:useLocalDpi xmlns:a14="http://schemas.microsoft.com/office/drawing/2010/main" val="0"/>
+                </a:ext>
+              </a:extLst>
+            </a:blip>
+            <a:stretch>
+              <a:fillRect/>
+            </a:stretch>
+          </p:blipFill>
+          <p:spPr>
+            <a:xfrm rot="20503169">
+              <a:off x="1286324" y="2720352"/>
+              <a:ext cx="543116" cy="740612"/>
+            </a:xfrm>
+            <a:prstGeom prst="rect">
+              <a:avLst/>
+            </a:prstGeom>
+          </p:spPr>
+        </p:pic>
+        <p:sp>
+          <p:nvSpPr>
+            <p:cNvPr id="27" name="직사각형 26">
+              <a:extLst>
+                <a:ext uri="{FF2B5EF4-FFF2-40B4-BE49-F238E27FC236}">
+                  <a16:creationId xmlns:a16="http://schemas.microsoft.com/office/drawing/2014/main" id="{3FF412F8-426E-4E82-945C-651140953CCA}"/>
+                </a:ext>
+              </a:extLst>
+            </p:cNvPr>
+            <p:cNvSpPr/>
+            <p:nvPr/>
+          </p:nvSpPr>
+          <p:spPr>
+            <a:xfrm>
+              <a:off x="1124088" y="2630374"/>
+              <a:ext cx="867589" cy="980944"/>
+            </a:xfrm>
+            <a:prstGeom prst="rect">
+              <a:avLst/>
+            </a:prstGeom>
+            <a:noFill/>
+            <a:ln w="76200">
+              <a:solidFill>
+                <a:srgbClr val="FF0000"/>
+              </a:solidFill>
+            </a:ln>
+          </p:spPr>
+          <p:style>
+            <a:lnRef idx="2">
+              <a:schemeClr val="accent1">
+                <a:shade val="50000"/>
+              </a:schemeClr>
+            </a:lnRef>
+            <a:fillRef idx="1">
+              <a:schemeClr val="accent1"/>
+            </a:fillRef>
+            <a:effectRef idx="0">
+              <a:schemeClr val="accent1"/>
+            </a:effectRef>
+            <a:fontRef idx="minor">
+              <a:schemeClr val="lt1"/>
+            </a:fontRef>
+          </p:style>
+          <p:txBody>
+            <a:bodyPr rtlCol="0" anchor="ctr"/>
+            <a:lstStyle/>
+            <a:p>
+              <a:pPr algn="ctr"/>
+              <a:endParaRPr lang="ko-KR" altLang="en-US"/>
+            </a:p>
+          </p:txBody>
+        </p:sp>
+      </p:grpSp>
+      <p:grpSp>
+        <p:nvGrpSpPr>
+          <p:cNvPr id="28" name="그룹 27">
+            <a:extLst>
+              <a:ext uri="{FF2B5EF4-FFF2-40B4-BE49-F238E27FC236}">
+                <a16:creationId xmlns:a16="http://schemas.microsoft.com/office/drawing/2014/main" id="{9325C772-02FA-4C4E-96B5-0A832D07F5BA}"/>
+              </a:ext>
+            </a:extLst>
+          </p:cNvPr>
+          <p:cNvGrpSpPr/>
+          <p:nvPr/>
+        </p:nvGrpSpPr>
+        <p:grpSpPr>
+          <a:xfrm flipH="1">
+            <a:off x="6974135" y="2630374"/>
+            <a:ext cx="840617" cy="980944"/>
+            <a:chOff x="1124088" y="2630374"/>
+            <a:chExt cx="867589" cy="980944"/>
+          </a:xfrm>
+        </p:grpSpPr>
+        <p:pic>
+          <p:nvPicPr>
+            <p:cNvPr id="29" name="그림 28">
+              <a:extLst>
+                <a:ext uri="{FF2B5EF4-FFF2-40B4-BE49-F238E27FC236}">
+                  <a16:creationId xmlns:a16="http://schemas.microsoft.com/office/drawing/2014/main" id="{4DEE76EE-A910-45DA-84FC-8F9954A11E79}"/>
+                </a:ext>
+              </a:extLst>
+            </p:cNvPr>
+            <p:cNvPicPr>
+              <a:picLocks noChangeAspect="1"/>
+            </p:cNvPicPr>
+            <p:nvPr/>
+          </p:nvPicPr>
+          <p:blipFill>
+            <a:blip r:embed="rId4">
+              <a:extLst>
+                <a:ext uri="{28A0092B-C50C-407E-A947-70E740481C1C}">
+                  <a14:useLocalDpi xmlns:a14="http://schemas.microsoft.com/office/drawing/2010/main" val="0"/>
+                </a:ext>
+              </a:extLst>
+            </a:blip>
+            <a:stretch>
+              <a:fillRect/>
+            </a:stretch>
+          </p:blipFill>
+          <p:spPr>
+            <a:xfrm rot="20503169">
+              <a:off x="1286324" y="2720352"/>
+              <a:ext cx="543116" cy="740612"/>
+            </a:xfrm>
+            <a:prstGeom prst="rect">
+              <a:avLst/>
+            </a:prstGeom>
+          </p:spPr>
+        </p:pic>
+        <p:sp>
+          <p:nvSpPr>
+            <p:cNvPr id="30" name="직사각형 29">
+              <a:extLst>
+                <a:ext uri="{FF2B5EF4-FFF2-40B4-BE49-F238E27FC236}">
+                  <a16:creationId xmlns:a16="http://schemas.microsoft.com/office/drawing/2014/main" id="{E49CB9B4-3008-4D09-AB2B-39D039E98DD6}"/>
+                </a:ext>
+              </a:extLst>
+            </p:cNvPr>
+            <p:cNvSpPr/>
+            <p:nvPr/>
+          </p:nvSpPr>
+          <p:spPr>
+            <a:xfrm>
+              <a:off x="1124088" y="2630374"/>
+              <a:ext cx="867589" cy="980944"/>
+            </a:xfrm>
+            <a:prstGeom prst="rect">
+              <a:avLst/>
+            </a:prstGeom>
+            <a:noFill/>
+            <a:ln w="76200">
+              <a:solidFill>
+                <a:srgbClr val="FF0000"/>
+              </a:solidFill>
+            </a:ln>
+          </p:spPr>
+          <p:style>
+            <a:lnRef idx="2">
+              <a:schemeClr val="accent1">
+                <a:shade val="50000"/>
+              </a:schemeClr>
+            </a:lnRef>
+            <a:fillRef idx="1">
+              <a:schemeClr val="accent1"/>
+            </a:fillRef>
+            <a:effectRef idx="0">
+              <a:schemeClr val="accent1"/>
+            </a:effectRef>
+            <a:fontRef idx="minor">
+              <a:schemeClr val="lt1"/>
+            </a:fontRef>
+          </p:style>
+          <p:txBody>
+            <a:bodyPr rtlCol="0" anchor="ctr"/>
+            <a:lstStyle/>
+            <a:p>
+              <a:pPr algn="ctr"/>
+              <a:endParaRPr lang="ko-KR" altLang="en-US"/>
+            </a:p>
+          </p:txBody>
+        </p:sp>
+      </p:grpSp>
     </p:spTree>
     <p:extLst>
       <p:ext uri="{BB962C8B-B14F-4D97-AF65-F5344CB8AC3E}">
@@ -31576,200 +31705,6 @@
               </a:rPr>
               <a:t>x)</a:t>
             </a:r>
-          </a:p>
-        </p:txBody>
-      </p:sp>
-      <p:sp>
-        <p:nvSpPr>
-          <p:cNvPr id="26" name="직사각형 25">
-            <a:extLst>
-              <a:ext uri="{FF2B5EF4-FFF2-40B4-BE49-F238E27FC236}">
-                <a16:creationId xmlns:a16="http://schemas.microsoft.com/office/drawing/2014/main" id="{1DA59D59-87F9-45AA-BCAE-80D4B7AE4756}"/>
-              </a:ext>
-            </a:extLst>
-          </p:cNvPr>
-          <p:cNvSpPr/>
-          <p:nvPr/>
-        </p:nvSpPr>
-        <p:spPr>
-          <a:xfrm>
-            <a:off x="1989074" y="3336925"/>
-            <a:ext cx="234950" cy="292100"/>
-          </a:xfrm>
-          <a:prstGeom prst="rect">
-            <a:avLst/>
-          </a:prstGeom>
-          <a:solidFill>
-            <a:srgbClr val="7030A0">
-              <a:alpha val="56000"/>
-            </a:srgbClr>
-          </a:solidFill>
-        </p:spPr>
-        <p:style>
-          <a:lnRef idx="2">
-            <a:schemeClr val="accent1">
-              <a:shade val="50000"/>
-            </a:schemeClr>
-          </a:lnRef>
-          <a:fillRef idx="1">
-            <a:schemeClr val="accent1"/>
-          </a:fillRef>
-          <a:effectRef idx="0">
-            <a:schemeClr val="accent1"/>
-          </a:effectRef>
-          <a:fontRef idx="minor">
-            <a:schemeClr val="lt1"/>
-          </a:fontRef>
-        </p:style>
-        <p:txBody>
-          <a:bodyPr anchor="ctr"/>
-          <a:lstStyle/>
-          <a:p>
-            <a:pPr algn="ctr">
-              <a:defRPr/>
-            </a:pPr>
-            <a:endParaRPr lang="ko-KR" altLang="en-US"/>
-          </a:p>
-        </p:txBody>
-      </p:sp>
-      <p:sp>
-        <p:nvSpPr>
-          <p:cNvPr id="27" name="직사각형 26">
-            <a:extLst>
-              <a:ext uri="{FF2B5EF4-FFF2-40B4-BE49-F238E27FC236}">
-                <a16:creationId xmlns:a16="http://schemas.microsoft.com/office/drawing/2014/main" id="{404585A8-7EF8-4702-A500-A7CE23E7B0BD}"/>
-              </a:ext>
-            </a:extLst>
-          </p:cNvPr>
-          <p:cNvSpPr/>
-          <p:nvPr/>
-        </p:nvSpPr>
-        <p:spPr>
-          <a:xfrm>
-            <a:off x="4910932" y="5216525"/>
-            <a:ext cx="141287" cy="150813"/>
-          </a:xfrm>
-          <a:prstGeom prst="rect">
-            <a:avLst/>
-          </a:prstGeom>
-          <a:solidFill>
-            <a:srgbClr val="7030A0">
-              <a:alpha val="56000"/>
-            </a:srgbClr>
-          </a:solidFill>
-        </p:spPr>
-        <p:style>
-          <a:lnRef idx="2">
-            <a:schemeClr val="accent1">
-              <a:shade val="50000"/>
-            </a:schemeClr>
-          </a:lnRef>
-          <a:fillRef idx="1">
-            <a:schemeClr val="accent1"/>
-          </a:fillRef>
-          <a:effectRef idx="0">
-            <a:schemeClr val="accent1"/>
-          </a:effectRef>
-          <a:fontRef idx="minor">
-            <a:schemeClr val="lt1"/>
-          </a:fontRef>
-        </p:style>
-        <p:txBody>
-          <a:bodyPr anchor="ctr"/>
-          <a:lstStyle/>
-          <a:p>
-            <a:pPr algn="ctr">
-              <a:defRPr/>
-            </a:pPr>
-            <a:endParaRPr lang="ko-KR" altLang="en-US"/>
-          </a:p>
-        </p:txBody>
-      </p:sp>
-      <p:sp>
-        <p:nvSpPr>
-          <p:cNvPr id="29" name="직사각형 28">
-            <a:extLst>
-              <a:ext uri="{FF2B5EF4-FFF2-40B4-BE49-F238E27FC236}">
-                <a16:creationId xmlns:a16="http://schemas.microsoft.com/office/drawing/2014/main" id="{E45B35A6-AC1D-465F-9E5D-FB42212DDD12}"/>
-              </a:ext>
-            </a:extLst>
-          </p:cNvPr>
-          <p:cNvSpPr/>
-          <p:nvPr/>
-        </p:nvSpPr>
-        <p:spPr>
-          <a:xfrm>
-            <a:off x="5128419" y="5138738"/>
-            <a:ext cx="1950308" cy="306387"/>
-          </a:xfrm>
-          <a:prstGeom prst="rect">
-            <a:avLst/>
-          </a:prstGeom>
-          <a:noFill/>
-          <a:ln>
-            <a:noFill/>
-          </a:ln>
-        </p:spPr>
-        <p:style>
-          <a:lnRef idx="2">
-            <a:schemeClr val="accent1">
-              <a:shade val="50000"/>
-            </a:schemeClr>
-          </a:lnRef>
-          <a:fillRef idx="1">
-            <a:schemeClr val="accent1"/>
-          </a:fillRef>
-          <a:effectRef idx="0">
-            <a:schemeClr val="accent1"/>
-          </a:effectRef>
-          <a:fontRef idx="minor">
-            <a:schemeClr val="lt1"/>
-          </a:fontRef>
-        </p:style>
-        <p:txBody>
-          <a:bodyPr anchor="ctr"/>
-          <a:lstStyle/>
-          <a:p>
-            <a:pPr>
-              <a:defRPr/>
-            </a:pPr>
-            <a:r>
-              <a:rPr lang="ko-KR" altLang="en-US" sz="1100" dirty="0">
-                <a:solidFill>
-                  <a:schemeClr val="tx1"/>
-                </a:solidFill>
-              </a:rPr>
-              <a:t>아이템 줍기 </a:t>
-            </a:r>
-            <a:r>
-              <a:rPr lang="en-US" altLang="ko-KR" sz="1100" dirty="0">
-                <a:solidFill>
-                  <a:schemeClr val="tx1"/>
-                </a:solidFill>
-              </a:rPr>
-              <a:t>(</a:t>
-            </a:r>
-            <a:r>
-              <a:rPr lang="ko-KR" altLang="en-US" sz="1100" dirty="0">
-                <a:solidFill>
-                  <a:schemeClr val="tx1"/>
-                </a:solidFill>
-              </a:rPr>
-              <a:t>구현</a:t>
-            </a:r>
-            <a:r>
-              <a:rPr lang="en-US" altLang="ko-KR" sz="1100" dirty="0">
-                <a:solidFill>
-                  <a:schemeClr val="tx1"/>
-                </a:solidFill>
-              </a:rPr>
-              <a:t>x)</a:t>
-            </a:r>
-            <a:endParaRPr lang="ko-KR" altLang="en-US" sz="1100" dirty="0">
-              <a:solidFill>
-                <a:schemeClr val="tx1"/>
-              </a:solidFill>
-            </a:endParaRPr>
           </a:p>
         </p:txBody>
       </p:sp>
@@ -35687,6 +35622,12 @@
 </file>
 
 <file path=customXml/item1.xml><?xml version="1.0" encoding="utf-8"?>
+<p:properties xmlns:p="http://schemas.microsoft.com/office/2006/metadata/properties" xmlns:xsi="http://www.w3.org/2001/XMLSchema-instance" xmlns:pc="http://schemas.microsoft.com/office/infopath/2007/PartnerControls">
+  <documentManagement/>
+</p:properties>
+</file>
+
+<file path=customXml/item2.xml><?xml version="1.0" encoding="utf-8"?>
 <ct:contentTypeSchema xmlns:ct="http://schemas.microsoft.com/office/2006/metadata/contentType" xmlns:ma="http://schemas.microsoft.com/office/2006/metadata/properties/metaAttributes" ct:_="" ma:_="" ma:contentTypeName="문서" ma:contentTypeID="0x010100AB878E01F303B8478CEB75E5AED0817A" ma:contentTypeVersion="7" ma:contentTypeDescription="새 문서를 만듭니다." ma:contentTypeScope="" ma:versionID="fbeb5efc454f6e0af3a24ee52947e549">
   <xsd:schema xmlns:xsd="http://www.w3.org/2001/XMLSchema" xmlns:xs="http://www.w3.org/2001/XMLSchema" xmlns:p="http://schemas.microsoft.com/office/2006/metadata/properties" xmlns:ns3="04409646-2f61-4cf4-aae7-4c1eb1a4b130" targetNamespace="http://schemas.microsoft.com/office/2006/metadata/properties" ma:root="true" ma:fieldsID="651a2fbc7edf91fa3c3035f14f1ecf22" ns3:_="">
     <xsd:import namespace="04409646-2f61-4cf4-aae7-4c1eb1a4b130"/>
@@ -35850,12 +35791,6 @@
 </ct:contentTypeSchema>
 </file>
 
-<file path=customXml/item2.xml><?xml version="1.0" encoding="utf-8"?>
-<p:properties xmlns:p="http://schemas.microsoft.com/office/2006/metadata/properties" xmlns:xsi="http://www.w3.org/2001/XMLSchema-instance" xmlns:pc="http://schemas.microsoft.com/office/infopath/2007/PartnerControls">
-  <documentManagement/>
-</p:properties>
-</file>
-
 <file path=customXml/item3.xml><?xml version="1.0" encoding="utf-8"?>
 <?mso-contentType ?>
 <FormTemplates xmlns="http://schemas.microsoft.com/sharepoint/v3/contenttype/forms">
@@ -35866,6 +35801,22 @@
 </file>
 
 <file path=customXml/itemProps1.xml><?xml version="1.0" encoding="utf-8"?>
+<ds:datastoreItem xmlns:ds="http://schemas.openxmlformats.org/officeDocument/2006/customXml" ds:itemID="{4889F10F-CE73-4AEC-ADEF-12951F88791D}">
+  <ds:schemaRefs>
+    <ds:schemaRef ds:uri="http://purl.org/dc/elements/1.1/"/>
+    <ds:schemaRef ds:uri="http://purl.org/dc/dcmitype/"/>
+    <ds:schemaRef ds:uri="http://schemas.openxmlformats.org/package/2006/metadata/core-properties"/>
+    <ds:schemaRef ds:uri="04409646-2f61-4cf4-aae7-4c1eb1a4b130"/>
+    <ds:schemaRef ds:uri="http://schemas.microsoft.com/office/2006/documentManagement/types"/>
+    <ds:schemaRef ds:uri="http://www.w3.org/XML/1998/namespace"/>
+    <ds:schemaRef ds:uri="http://purl.org/dc/terms/"/>
+    <ds:schemaRef ds:uri="http://schemas.microsoft.com/office/infopath/2007/PartnerControls"/>
+    <ds:schemaRef ds:uri="http://schemas.microsoft.com/office/2006/metadata/properties"/>
+  </ds:schemaRefs>
+</ds:datastoreItem>
+</file>
+
+<file path=customXml/itemProps2.xml><?xml version="1.0" encoding="utf-8"?>
 <ds:datastoreItem xmlns:ds="http://schemas.openxmlformats.org/officeDocument/2006/customXml" ds:itemID="{3A3154A7-F743-4D57-A5EF-E26FDFD37CD0}">
   <ds:schemaRefs>
     <ds:schemaRef ds:uri="http://schemas.microsoft.com/office/2006/metadata/contentType"/>
@@ -35883,22 +35834,6 @@
 </ds:datastoreItem>
 </file>
 
-<file path=customXml/itemProps2.xml><?xml version="1.0" encoding="utf-8"?>
-<ds:datastoreItem xmlns:ds="http://schemas.openxmlformats.org/officeDocument/2006/customXml" ds:itemID="{4889F10F-CE73-4AEC-ADEF-12951F88791D}">
-  <ds:schemaRefs>
-    <ds:schemaRef ds:uri="http://purl.org/dc/elements/1.1/"/>
-    <ds:schemaRef ds:uri="http://purl.org/dc/dcmitype/"/>
-    <ds:schemaRef ds:uri="http://schemas.openxmlformats.org/package/2006/metadata/core-properties"/>
-    <ds:schemaRef ds:uri="04409646-2f61-4cf4-aae7-4c1eb1a4b130"/>
-    <ds:schemaRef ds:uri="http://schemas.microsoft.com/office/2006/documentManagement/types"/>
-    <ds:schemaRef ds:uri="http://www.w3.org/XML/1998/namespace"/>
-    <ds:schemaRef ds:uri="http://purl.org/dc/terms/"/>
-    <ds:schemaRef ds:uri="http://schemas.microsoft.com/office/infopath/2007/PartnerControls"/>
-    <ds:schemaRef ds:uri="http://schemas.microsoft.com/office/2006/metadata/properties"/>
-  </ds:schemaRefs>
-</ds:datastoreItem>
-</file>
-
 <file path=customXml/itemProps3.xml><?xml version="1.0" encoding="utf-8"?>
 <ds:datastoreItem xmlns:ds="http://schemas.openxmlformats.org/officeDocument/2006/customXml" ds:itemID="{3AA616D0-47C8-40AE-B04A-7166E7AB6CE9}">
   <ds:schemaRefs>

--- a/plan/중간 발표.pptx
+++ b/plan/중간 발표.pptx
@@ -5,7 +5,7 @@
     <p:sldMasterId id="2147483648" r:id="rId4"/>
   </p:sldMasterIdLst>
   <p:notesMasterIdLst>
-    <p:notesMasterId r:id="rId22"/>
+    <p:notesMasterId r:id="rId24"/>
   </p:notesMasterIdLst>
   <p:sldIdLst>
     <p:sldId id="259" r:id="rId5"/>
@@ -17,14 +17,16 @@
     <p:sldId id="304" r:id="rId11"/>
     <p:sldId id="330" r:id="rId12"/>
     <p:sldId id="328" r:id="rId13"/>
-    <p:sldId id="322" r:id="rId14"/>
-    <p:sldId id="329" r:id="rId15"/>
-    <p:sldId id="331" r:id="rId16"/>
-    <p:sldId id="308" r:id="rId17"/>
-    <p:sldId id="306" r:id="rId18"/>
-    <p:sldId id="305" r:id="rId19"/>
-    <p:sldId id="315" r:id="rId20"/>
-    <p:sldId id="298" r:id="rId21"/>
+    <p:sldId id="332" r:id="rId14"/>
+    <p:sldId id="333" r:id="rId15"/>
+    <p:sldId id="322" r:id="rId16"/>
+    <p:sldId id="329" r:id="rId17"/>
+    <p:sldId id="331" r:id="rId18"/>
+    <p:sldId id="308" r:id="rId19"/>
+    <p:sldId id="306" r:id="rId20"/>
+    <p:sldId id="305" r:id="rId21"/>
+    <p:sldId id="315" r:id="rId22"/>
+    <p:sldId id="298" r:id="rId23"/>
   </p:sldIdLst>
   <p:sldSz cx="9144000" cy="6858000" type="screen4x3"/>
   <p:notesSz cx="6858000" cy="9144000"/>
@@ -3226,7 +3228,7 @@
             <a:rPr lang="ko-KR" altLang="en-US" sz="1400" b="1" dirty="0">
               <a:latin typeface="맑은 고딕"/>
             </a:rPr>
-            <a:t>서버에서 전체적인 게임흐름 관리하기</a:t>
+            <a:t>서버에서 전체적인 게임 흐름 관리하기</a:t>
           </a:r>
           <a:endParaRPr lang="ko-KR" altLang="en-US" sz="1400" b="1" dirty="0"/>
         </a:p>
@@ -3286,7 +3288,7 @@
             <a:rPr lang="ko-KR" altLang="en-US" sz="1400" b="1" dirty="0">
               <a:latin typeface="맑은 고딕"/>
             </a:rPr>
-            <a:t>오브젝트들 간의 필요한 충돌검사</a:t>
+            <a:t>오브젝트들 간의 필요한 충돌 검사</a:t>
           </a:r>
           <a:r>
             <a:rPr lang="en-US" altLang="ko-KR" sz="1400" b="1" dirty="0">
@@ -3364,7 +3366,7 @@
       <dgm:spPr/>
     </dgm:pt>
     <dgm:pt modelId="{0D74DB7D-24AF-486E-8039-53799A71D146}" type="pres">
-      <dgm:prSet presAssocID="{2F2C1447-6109-4A72-BF78-506C01BCEC6B}" presName="parentText" presStyleLbl="node1" presStyleIdx="2" presStyleCnt="3">
+      <dgm:prSet presAssocID="{2F2C1447-6109-4A72-BF78-506C01BCEC6B}" presName="parentText" presStyleLbl="node1" presStyleIdx="2" presStyleCnt="3" custLinFactNeighborX="-2" custLinFactNeighborY="19189">
         <dgm:presLayoutVars>
           <dgm:chMax val="0"/>
           <dgm:bulletEnabled val="1"/>
@@ -4172,7 +4174,7 @@
             <a:rPr lang="ko-KR" altLang="en-US" sz="1400" b="1" kern="1200" dirty="0">
               <a:latin typeface="맑은 고딕"/>
             </a:rPr>
-            <a:t>서버에서 전체적인 게임흐름 관리하기</a:t>
+            <a:t>서버에서 전체적인 게임 흐름 관리하기</a:t>
           </a:r>
           <a:endParaRPr lang="ko-KR" altLang="en-US" sz="1400" b="1" kern="1200" dirty="0"/>
         </a:p>
@@ -4270,7 +4272,7 @@
             <a:rPr lang="ko-KR" altLang="en-US" sz="1400" b="1" kern="1200" dirty="0">
               <a:latin typeface="맑은 고딕"/>
             </a:rPr>
-            <a:t>오브젝트들 간의 필요한 충돌검사</a:t>
+            <a:t>오브젝트들 간의 필요한 충돌 검사</a:t>
           </a:r>
           <a:r>
             <a:rPr lang="en-US" altLang="ko-KR" sz="1400" b="1" kern="1200" dirty="0">
@@ -4299,7 +4301,7 @@
       </dsp:nvSpPr>
       <dsp:spPr>
         <a:xfrm>
-          <a:off x="0" y="3293093"/>
+          <a:off x="0" y="3329014"/>
           <a:ext cx="6786800" cy="1216800"/>
         </a:xfrm>
         <a:prstGeom prst="roundRect">
@@ -4394,7 +4396,7 @@
         </a:p>
       </dsp:txBody>
       <dsp:txXfrm>
-        <a:off x="59399" y="3352492"/>
+        <a:off x="59399" y="3388413"/>
         <a:ext cx="6668002" cy="1098002"/>
       </dsp:txXfrm>
     </dsp:sp>
@@ -8805,6 +8807,782 @@
       </p:grpSpPr>
       <p:sp>
         <p:nvSpPr>
+          <p:cNvPr id="24578" name="슬라이드 이미지 개체 틀 1">
+            <a:extLst>
+              <a:ext uri="{FF2B5EF4-FFF2-40B4-BE49-F238E27FC236}">
+                <a16:creationId xmlns:a16="http://schemas.microsoft.com/office/drawing/2014/main" id="{F7B2A27F-C14F-4EA7-AA70-09BD786B3D9E}"/>
+              </a:ext>
+            </a:extLst>
+          </p:cNvPr>
+          <p:cNvSpPr>
+            <a:spLocks noGrp="1" noRot="1" noChangeAspect="1" noChangeArrowheads="1" noTextEdit="1"/>
+          </p:cNvSpPr>
+          <p:nvPr>
+            <p:ph type="sldImg"/>
+          </p:nvPr>
+        </p:nvSpPr>
+        <p:spPr bwMode="auto">
+          <a:noFill/>
+          <a:ln>
+            <a:solidFill>
+              <a:srgbClr val="000000"/>
+            </a:solidFill>
+            <a:miter lim="800000"/>
+            <a:headEnd/>
+            <a:tailEnd/>
+          </a:ln>
+          <a:extLst>
+            <a:ext uri="{909E8E84-426E-40DD-AFC4-6F175D3DCCD1}">
+              <a14:hiddenFill xmlns:a14="http://schemas.microsoft.com/office/drawing/2010/main">
+                <a:solidFill>
+                  <a:srgbClr val="FFFFFF"/>
+                </a:solidFill>
+              </a14:hiddenFill>
+            </a:ext>
+          </a:extLst>
+        </p:spPr>
+      </p:sp>
+      <p:sp>
+        <p:nvSpPr>
+          <p:cNvPr id="24579" name="슬라이드 노트 개체 틀 2">
+            <a:extLst>
+              <a:ext uri="{FF2B5EF4-FFF2-40B4-BE49-F238E27FC236}">
+                <a16:creationId xmlns:a16="http://schemas.microsoft.com/office/drawing/2014/main" id="{C991FD83-43BC-43AC-8F40-2C3D0A1538E4}"/>
+              </a:ext>
+            </a:extLst>
+          </p:cNvPr>
+          <p:cNvSpPr>
+            <a:spLocks noGrp="1" noChangeArrowheads="1"/>
+          </p:cNvSpPr>
+          <p:nvPr>
+            <p:ph type="body" idx="1"/>
+          </p:nvPr>
+        </p:nvSpPr>
+        <p:spPr bwMode="auto">
+          <a:noFill/>
+          <a:extLst>
+            <a:ext uri="{909E8E84-426E-40DD-AFC4-6F175D3DCCD1}">
+              <a14:hiddenFill xmlns:a14="http://schemas.microsoft.com/office/drawing/2010/main">
+                <a:solidFill>
+                  <a:srgbClr val="FFFFFF"/>
+                </a:solidFill>
+              </a14:hiddenFill>
+            </a:ext>
+            <a:ext uri="{91240B29-F687-4F45-9708-019B960494DF}">
+              <a14:hiddenLine xmlns:a14="http://schemas.microsoft.com/office/drawing/2010/main" w="9525">
+                <a:solidFill>
+                  <a:srgbClr val="000000"/>
+                </a:solidFill>
+                <a:miter lim="800000"/>
+                <a:headEnd/>
+                <a:tailEnd/>
+              </a14:hiddenLine>
+            </a:ext>
+          </a:extLst>
+        </p:spPr>
+        <p:txBody>
+          <a:bodyPr wrap="square" numCol="1" anchor="t" anchorCtr="0" compatLnSpc="1">
+            <a:prstTxWarp prst="textNoShape">
+              <a:avLst/>
+            </a:prstTxWarp>
+          </a:bodyPr>
+          <a:lstStyle/>
+          <a:p>
+            <a:pPr eaLnBrk="1" hangingPunct="1">
+              <a:spcBef>
+                <a:spcPct val="0"/>
+              </a:spcBef>
+            </a:pPr>
+            <a:r>
+              <a:rPr lang="en-US" altLang="ko-KR" dirty="0">
+                <a:ea typeface="맑은 고딕"/>
+                <a:hlinkClick r:id="rId3"/>
+              </a:rPr>
+              <a:t>http://minheeblog.tistory.com/</a:t>
+            </a:r>
+            <a:r>
+              <a:rPr lang="en-US" altLang="ko-KR" dirty="0">
+                <a:ea typeface="맑은 고딕"/>
+              </a:rPr>
+              <a:t> </a:t>
+            </a:r>
+            <a:r>
+              <a:rPr lang="ko-KR" altLang="en-US" dirty="0">
+                <a:ea typeface="맑은 고딕"/>
+              </a:rPr>
+              <a:t>내용 더 세분화</a:t>
+            </a:r>
+            <a:r>
+              <a:rPr lang="en-US" altLang="ko-KR" dirty="0">
+                <a:ea typeface="맑은 고딕"/>
+              </a:rPr>
+              <a:t>?</a:t>
+            </a:r>
+            <a:endParaRPr lang="ko-KR" altLang="en-US" dirty="0">
+              <a:ea typeface="맑은 고딕" panose="020B0503020000020004" pitchFamily="34" charset="-127"/>
+            </a:endParaRPr>
+          </a:p>
+          <a:p>
+            <a:pPr>
+              <a:spcBef>
+                <a:spcPct val="0"/>
+              </a:spcBef>
+            </a:pPr>
+            <a:endParaRPr lang="en-US" altLang="ko-KR" dirty="0">
+              <a:ea typeface="맑은 고딕"/>
+            </a:endParaRPr>
+          </a:p>
+          <a:p>
+            <a:pPr>
+              <a:spcBef>
+                <a:spcPct val="0"/>
+              </a:spcBef>
+            </a:pPr>
+            <a:r>
+              <a:rPr lang="en-US" altLang="ko-KR" dirty="0" err="1">
+                <a:ea typeface="맑은 고딕"/>
+              </a:rPr>
+              <a:t>용어를</a:t>
+            </a:r>
+            <a:r>
+              <a:rPr lang="en-US" altLang="ko-KR" dirty="0">
+                <a:ea typeface="맑은 고딕"/>
+              </a:rPr>
+              <a:t> </a:t>
+            </a:r>
+            <a:r>
+              <a:rPr lang="en-US" altLang="ko-KR" dirty="0" err="1">
+                <a:ea typeface="맑은 고딕"/>
+              </a:rPr>
+              <a:t>정확하게</a:t>
+            </a:r>
+            <a:endParaRPr lang="en-US" altLang="ko-KR" dirty="0">
+              <a:ea typeface="맑은 고딕"/>
+            </a:endParaRPr>
+          </a:p>
+          <a:p>
+            <a:pPr>
+              <a:spcBef>
+                <a:spcPct val="0"/>
+              </a:spcBef>
+            </a:pPr>
+            <a:endParaRPr lang="en-US" altLang="ko-KR" dirty="0">
+              <a:ea typeface="맑은 고딕"/>
+            </a:endParaRPr>
+          </a:p>
+        </p:txBody>
+      </p:sp>
+      <p:sp>
+        <p:nvSpPr>
+          <p:cNvPr id="24580" name="슬라이드 번호 개체 틀 3">
+            <a:extLst>
+              <a:ext uri="{FF2B5EF4-FFF2-40B4-BE49-F238E27FC236}">
+                <a16:creationId xmlns:a16="http://schemas.microsoft.com/office/drawing/2014/main" id="{E542E118-2ADE-491C-AF4E-19D7AEBAB251}"/>
+              </a:ext>
+            </a:extLst>
+          </p:cNvPr>
+          <p:cNvSpPr>
+            <a:spLocks noGrp="1" noChangeArrowheads="1"/>
+          </p:cNvSpPr>
+          <p:nvPr>
+            <p:ph type="sldNum" sz="quarter" idx="5"/>
+          </p:nvPr>
+        </p:nvSpPr>
+        <p:spPr bwMode="auto">
+          <a:noFill/>
+          <a:extLst>
+            <a:ext uri="{909E8E84-426E-40DD-AFC4-6F175D3DCCD1}">
+              <a14:hiddenFill xmlns:a14="http://schemas.microsoft.com/office/drawing/2010/main">
+                <a:solidFill>
+                  <a:srgbClr val="FFFFFF"/>
+                </a:solidFill>
+              </a14:hiddenFill>
+            </a:ext>
+            <a:ext uri="{91240B29-F687-4F45-9708-019B960494DF}">
+              <a14:hiddenLine xmlns:a14="http://schemas.microsoft.com/office/drawing/2010/main" w="9525">
+                <a:solidFill>
+                  <a:srgbClr val="000000"/>
+                </a:solidFill>
+                <a:miter lim="800000"/>
+                <a:headEnd/>
+                <a:tailEnd/>
+              </a14:hiddenLine>
+            </a:ext>
+          </a:extLst>
+        </p:spPr>
+        <p:txBody>
+          <a:bodyPr wrap="square" numCol="1" anchorCtr="0" compatLnSpc="1">
+            <a:prstTxWarp prst="textNoShape">
+              <a:avLst/>
+            </a:prstTxWarp>
+          </a:bodyPr>
+          <a:lstStyle>
+            <a:lvl1pPr latinLnBrk="1">
+              <a:spcBef>
+                <a:spcPct val="30000"/>
+              </a:spcBef>
+              <a:defRPr sz="1200">
+                <a:solidFill>
+                  <a:schemeClr val="tx1"/>
+                </a:solidFill>
+                <a:latin typeface="맑은 고딕" panose="020B0503020000020004" pitchFamily="50" charset="-127"/>
+                <a:ea typeface="맑은 고딕" panose="020B0503020000020004" pitchFamily="50" charset="-127"/>
+              </a:defRPr>
+            </a:lvl1pPr>
+            <a:lvl2pPr marL="742950" indent="-285750" latinLnBrk="1">
+              <a:spcBef>
+                <a:spcPct val="30000"/>
+              </a:spcBef>
+              <a:defRPr sz="1200">
+                <a:solidFill>
+                  <a:schemeClr val="tx1"/>
+                </a:solidFill>
+                <a:latin typeface="맑은 고딕" panose="020B0503020000020004" pitchFamily="50" charset="-127"/>
+                <a:ea typeface="맑은 고딕" panose="020B0503020000020004" pitchFamily="50" charset="-127"/>
+              </a:defRPr>
+            </a:lvl2pPr>
+            <a:lvl3pPr marL="1143000" indent="-228600" latinLnBrk="1">
+              <a:spcBef>
+                <a:spcPct val="30000"/>
+              </a:spcBef>
+              <a:defRPr sz="1200">
+                <a:solidFill>
+                  <a:schemeClr val="tx1"/>
+                </a:solidFill>
+                <a:latin typeface="맑은 고딕" panose="020B0503020000020004" pitchFamily="50" charset="-127"/>
+                <a:ea typeface="맑은 고딕" panose="020B0503020000020004" pitchFamily="50" charset="-127"/>
+              </a:defRPr>
+            </a:lvl3pPr>
+            <a:lvl4pPr marL="1600200" indent="-228600" latinLnBrk="1">
+              <a:spcBef>
+                <a:spcPct val="30000"/>
+              </a:spcBef>
+              <a:defRPr sz="1200">
+                <a:solidFill>
+                  <a:schemeClr val="tx1"/>
+                </a:solidFill>
+                <a:latin typeface="맑은 고딕" panose="020B0503020000020004" pitchFamily="50" charset="-127"/>
+                <a:ea typeface="맑은 고딕" panose="020B0503020000020004" pitchFamily="50" charset="-127"/>
+              </a:defRPr>
+            </a:lvl4pPr>
+            <a:lvl5pPr marL="2057400" indent="-228600" latinLnBrk="1">
+              <a:spcBef>
+                <a:spcPct val="30000"/>
+              </a:spcBef>
+              <a:defRPr sz="1200">
+                <a:solidFill>
+                  <a:schemeClr val="tx1"/>
+                </a:solidFill>
+                <a:latin typeface="맑은 고딕" panose="020B0503020000020004" pitchFamily="50" charset="-127"/>
+                <a:ea typeface="맑은 고딕" panose="020B0503020000020004" pitchFamily="50" charset="-127"/>
+              </a:defRPr>
+            </a:lvl5pPr>
+            <a:lvl6pPr marL="2514600" indent="-228600" eaLnBrk="0" fontAlgn="base" hangingPunct="0">
+              <a:spcBef>
+                <a:spcPct val="30000"/>
+              </a:spcBef>
+              <a:spcAft>
+                <a:spcPct val="0"/>
+              </a:spcAft>
+              <a:defRPr sz="1200">
+                <a:solidFill>
+                  <a:schemeClr val="tx1"/>
+                </a:solidFill>
+                <a:latin typeface="맑은 고딕" panose="020B0503020000020004" pitchFamily="50" charset="-127"/>
+                <a:ea typeface="맑은 고딕" panose="020B0503020000020004" pitchFamily="50" charset="-127"/>
+              </a:defRPr>
+            </a:lvl6pPr>
+            <a:lvl7pPr marL="2971800" indent="-228600" eaLnBrk="0" fontAlgn="base" hangingPunct="0">
+              <a:spcBef>
+                <a:spcPct val="30000"/>
+              </a:spcBef>
+              <a:spcAft>
+                <a:spcPct val="0"/>
+              </a:spcAft>
+              <a:defRPr sz="1200">
+                <a:solidFill>
+                  <a:schemeClr val="tx1"/>
+                </a:solidFill>
+                <a:latin typeface="맑은 고딕" panose="020B0503020000020004" pitchFamily="50" charset="-127"/>
+                <a:ea typeface="맑은 고딕" panose="020B0503020000020004" pitchFamily="50" charset="-127"/>
+              </a:defRPr>
+            </a:lvl7pPr>
+            <a:lvl8pPr marL="3429000" indent="-228600" eaLnBrk="0" fontAlgn="base" hangingPunct="0">
+              <a:spcBef>
+                <a:spcPct val="30000"/>
+              </a:spcBef>
+              <a:spcAft>
+                <a:spcPct val="0"/>
+              </a:spcAft>
+              <a:defRPr sz="1200">
+                <a:solidFill>
+                  <a:schemeClr val="tx1"/>
+                </a:solidFill>
+                <a:latin typeface="맑은 고딕" panose="020B0503020000020004" pitchFamily="50" charset="-127"/>
+                <a:ea typeface="맑은 고딕" panose="020B0503020000020004" pitchFamily="50" charset="-127"/>
+              </a:defRPr>
+            </a:lvl8pPr>
+            <a:lvl9pPr marL="3886200" indent="-228600" eaLnBrk="0" fontAlgn="base" hangingPunct="0">
+              <a:spcBef>
+                <a:spcPct val="30000"/>
+              </a:spcBef>
+              <a:spcAft>
+                <a:spcPct val="0"/>
+              </a:spcAft>
+              <a:defRPr sz="1200">
+                <a:solidFill>
+                  <a:schemeClr val="tx1"/>
+                </a:solidFill>
+                <a:latin typeface="맑은 고딕" panose="020B0503020000020004" pitchFamily="50" charset="-127"/>
+                <a:ea typeface="맑은 고딕" panose="020B0503020000020004" pitchFamily="50" charset="-127"/>
+              </a:defRPr>
+            </a:lvl9pPr>
+          </a:lstStyle>
+          <a:p>
+            <a:pPr fontAlgn="base">
+              <a:spcBef>
+                <a:spcPct val="0"/>
+              </a:spcBef>
+              <a:spcAft>
+                <a:spcPct val="0"/>
+              </a:spcAft>
+            </a:pPr>
+            <a:fld id="{D8DE56D0-6527-4591-8178-52150C90286C}" type="slidenum">
+              <a:rPr lang="ko-KR" altLang="en-US" smtClean="0"/>
+              <a:pPr fontAlgn="base">
+                <a:spcBef>
+                  <a:spcPct val="0"/>
+                </a:spcBef>
+                <a:spcAft>
+                  <a:spcPct val="0"/>
+                </a:spcAft>
+              </a:pPr>
+              <a:t>10</a:t>
+            </a:fld>
+            <a:endParaRPr lang="ko-KR" altLang="en-US"/>
+          </a:p>
+        </p:txBody>
+      </p:sp>
+    </p:spTree>
+    <p:extLst>
+      <p:ext uri="{BB962C8B-B14F-4D97-AF65-F5344CB8AC3E}">
+        <p14:creationId xmlns:p14="http://schemas.microsoft.com/office/powerpoint/2010/main" val="808220069"/>
+      </p:ext>
+    </p:extLst>
+  </p:cSld>
+  <p:clrMapOvr>
+    <a:masterClrMapping/>
+  </p:clrMapOvr>
+</p:notes>
+</file>
+
+<file path=ppt/notesSlides/notesSlide11.xml><?xml version="1.0" encoding="utf-8"?>
+<p:notes xmlns:a="http://schemas.openxmlformats.org/drawingml/2006/main" xmlns:r="http://schemas.openxmlformats.org/officeDocument/2006/relationships" xmlns:p="http://schemas.openxmlformats.org/presentationml/2006/main">
+  <p:cSld>
+    <p:spTree>
+      <p:nvGrpSpPr>
+        <p:cNvPr id="1" name=""/>
+        <p:cNvGrpSpPr/>
+        <p:nvPr/>
+      </p:nvGrpSpPr>
+      <p:grpSpPr>
+        <a:xfrm>
+          <a:off x="0" y="0"/>
+          <a:ext cx="0" cy="0"/>
+          <a:chOff x="0" y="0"/>
+          <a:chExt cx="0" cy="0"/>
+        </a:xfrm>
+      </p:grpSpPr>
+      <p:sp>
+        <p:nvSpPr>
+          <p:cNvPr id="24578" name="슬라이드 이미지 개체 틀 1">
+            <a:extLst>
+              <a:ext uri="{FF2B5EF4-FFF2-40B4-BE49-F238E27FC236}">
+                <a16:creationId xmlns:a16="http://schemas.microsoft.com/office/drawing/2014/main" id="{F7B2A27F-C14F-4EA7-AA70-09BD786B3D9E}"/>
+              </a:ext>
+            </a:extLst>
+          </p:cNvPr>
+          <p:cNvSpPr>
+            <a:spLocks noGrp="1" noRot="1" noChangeAspect="1" noChangeArrowheads="1" noTextEdit="1"/>
+          </p:cNvSpPr>
+          <p:nvPr>
+            <p:ph type="sldImg"/>
+          </p:nvPr>
+        </p:nvSpPr>
+        <p:spPr bwMode="auto">
+          <a:noFill/>
+          <a:ln>
+            <a:solidFill>
+              <a:srgbClr val="000000"/>
+            </a:solidFill>
+            <a:miter lim="800000"/>
+            <a:headEnd/>
+            <a:tailEnd/>
+          </a:ln>
+          <a:extLst>
+            <a:ext uri="{909E8E84-426E-40DD-AFC4-6F175D3DCCD1}">
+              <a14:hiddenFill xmlns:a14="http://schemas.microsoft.com/office/drawing/2010/main">
+                <a:solidFill>
+                  <a:srgbClr val="FFFFFF"/>
+                </a:solidFill>
+              </a14:hiddenFill>
+            </a:ext>
+          </a:extLst>
+        </p:spPr>
+      </p:sp>
+      <p:sp>
+        <p:nvSpPr>
+          <p:cNvPr id="24579" name="슬라이드 노트 개체 틀 2">
+            <a:extLst>
+              <a:ext uri="{FF2B5EF4-FFF2-40B4-BE49-F238E27FC236}">
+                <a16:creationId xmlns:a16="http://schemas.microsoft.com/office/drawing/2014/main" id="{C991FD83-43BC-43AC-8F40-2C3D0A1538E4}"/>
+              </a:ext>
+            </a:extLst>
+          </p:cNvPr>
+          <p:cNvSpPr>
+            <a:spLocks noGrp="1" noChangeArrowheads="1"/>
+          </p:cNvSpPr>
+          <p:nvPr>
+            <p:ph type="body" idx="1"/>
+          </p:nvPr>
+        </p:nvSpPr>
+        <p:spPr bwMode="auto">
+          <a:noFill/>
+          <a:extLst>
+            <a:ext uri="{909E8E84-426E-40DD-AFC4-6F175D3DCCD1}">
+              <a14:hiddenFill xmlns:a14="http://schemas.microsoft.com/office/drawing/2010/main">
+                <a:solidFill>
+                  <a:srgbClr val="FFFFFF"/>
+                </a:solidFill>
+              </a14:hiddenFill>
+            </a:ext>
+            <a:ext uri="{91240B29-F687-4F45-9708-019B960494DF}">
+              <a14:hiddenLine xmlns:a14="http://schemas.microsoft.com/office/drawing/2010/main" w="9525">
+                <a:solidFill>
+                  <a:srgbClr val="000000"/>
+                </a:solidFill>
+                <a:miter lim="800000"/>
+                <a:headEnd/>
+                <a:tailEnd/>
+              </a14:hiddenLine>
+            </a:ext>
+          </a:extLst>
+        </p:spPr>
+        <p:txBody>
+          <a:bodyPr wrap="square" numCol="1" anchor="t" anchorCtr="0" compatLnSpc="1">
+            <a:prstTxWarp prst="textNoShape">
+              <a:avLst/>
+            </a:prstTxWarp>
+          </a:bodyPr>
+          <a:lstStyle/>
+          <a:p>
+            <a:pPr eaLnBrk="1" hangingPunct="1">
+              <a:spcBef>
+                <a:spcPct val="0"/>
+              </a:spcBef>
+            </a:pPr>
+            <a:r>
+              <a:rPr lang="en-US" altLang="ko-KR" dirty="0">
+                <a:ea typeface="맑은 고딕"/>
+                <a:hlinkClick r:id="rId3"/>
+              </a:rPr>
+              <a:t>http://minheeblog.tistory.com/</a:t>
+            </a:r>
+            <a:r>
+              <a:rPr lang="en-US" altLang="ko-KR" dirty="0">
+                <a:ea typeface="맑은 고딕"/>
+              </a:rPr>
+              <a:t> </a:t>
+            </a:r>
+            <a:r>
+              <a:rPr lang="ko-KR" altLang="en-US" dirty="0">
+                <a:ea typeface="맑은 고딕"/>
+              </a:rPr>
+              <a:t>내용 더 세분화</a:t>
+            </a:r>
+            <a:r>
+              <a:rPr lang="en-US" altLang="ko-KR" dirty="0">
+                <a:ea typeface="맑은 고딕"/>
+              </a:rPr>
+              <a:t>?</a:t>
+            </a:r>
+            <a:endParaRPr lang="ko-KR" altLang="en-US" dirty="0">
+              <a:ea typeface="맑은 고딕" panose="020B0503020000020004" pitchFamily="34" charset="-127"/>
+            </a:endParaRPr>
+          </a:p>
+          <a:p>
+            <a:pPr>
+              <a:spcBef>
+                <a:spcPct val="0"/>
+              </a:spcBef>
+            </a:pPr>
+            <a:endParaRPr lang="en-US" altLang="ko-KR" dirty="0">
+              <a:ea typeface="맑은 고딕"/>
+            </a:endParaRPr>
+          </a:p>
+          <a:p>
+            <a:pPr>
+              <a:spcBef>
+                <a:spcPct val="0"/>
+              </a:spcBef>
+            </a:pPr>
+            <a:r>
+              <a:rPr lang="en-US" altLang="ko-KR" dirty="0" err="1">
+                <a:ea typeface="맑은 고딕"/>
+              </a:rPr>
+              <a:t>용어를</a:t>
+            </a:r>
+            <a:r>
+              <a:rPr lang="en-US" altLang="ko-KR" dirty="0">
+                <a:ea typeface="맑은 고딕"/>
+              </a:rPr>
+              <a:t> </a:t>
+            </a:r>
+            <a:r>
+              <a:rPr lang="en-US" altLang="ko-KR" dirty="0" err="1">
+                <a:ea typeface="맑은 고딕"/>
+              </a:rPr>
+              <a:t>정확하게</a:t>
+            </a:r>
+            <a:endParaRPr lang="en-US" altLang="ko-KR" dirty="0">
+              <a:ea typeface="맑은 고딕"/>
+            </a:endParaRPr>
+          </a:p>
+          <a:p>
+            <a:pPr>
+              <a:spcBef>
+                <a:spcPct val="0"/>
+              </a:spcBef>
+            </a:pPr>
+            <a:endParaRPr lang="en-US" altLang="ko-KR" dirty="0">
+              <a:ea typeface="맑은 고딕"/>
+            </a:endParaRPr>
+          </a:p>
+        </p:txBody>
+      </p:sp>
+      <p:sp>
+        <p:nvSpPr>
+          <p:cNvPr id="24580" name="슬라이드 번호 개체 틀 3">
+            <a:extLst>
+              <a:ext uri="{FF2B5EF4-FFF2-40B4-BE49-F238E27FC236}">
+                <a16:creationId xmlns:a16="http://schemas.microsoft.com/office/drawing/2014/main" id="{E542E118-2ADE-491C-AF4E-19D7AEBAB251}"/>
+              </a:ext>
+            </a:extLst>
+          </p:cNvPr>
+          <p:cNvSpPr>
+            <a:spLocks noGrp="1" noChangeArrowheads="1"/>
+          </p:cNvSpPr>
+          <p:nvPr>
+            <p:ph type="sldNum" sz="quarter" idx="5"/>
+          </p:nvPr>
+        </p:nvSpPr>
+        <p:spPr bwMode="auto">
+          <a:noFill/>
+          <a:extLst>
+            <a:ext uri="{909E8E84-426E-40DD-AFC4-6F175D3DCCD1}">
+              <a14:hiddenFill xmlns:a14="http://schemas.microsoft.com/office/drawing/2010/main">
+                <a:solidFill>
+                  <a:srgbClr val="FFFFFF"/>
+                </a:solidFill>
+              </a14:hiddenFill>
+            </a:ext>
+            <a:ext uri="{91240B29-F687-4F45-9708-019B960494DF}">
+              <a14:hiddenLine xmlns:a14="http://schemas.microsoft.com/office/drawing/2010/main" w="9525">
+                <a:solidFill>
+                  <a:srgbClr val="000000"/>
+                </a:solidFill>
+                <a:miter lim="800000"/>
+                <a:headEnd/>
+                <a:tailEnd/>
+              </a14:hiddenLine>
+            </a:ext>
+          </a:extLst>
+        </p:spPr>
+        <p:txBody>
+          <a:bodyPr wrap="square" numCol="1" anchorCtr="0" compatLnSpc="1">
+            <a:prstTxWarp prst="textNoShape">
+              <a:avLst/>
+            </a:prstTxWarp>
+          </a:bodyPr>
+          <a:lstStyle>
+            <a:lvl1pPr latinLnBrk="1">
+              <a:spcBef>
+                <a:spcPct val="30000"/>
+              </a:spcBef>
+              <a:defRPr sz="1200">
+                <a:solidFill>
+                  <a:schemeClr val="tx1"/>
+                </a:solidFill>
+                <a:latin typeface="맑은 고딕" panose="020B0503020000020004" pitchFamily="50" charset="-127"/>
+                <a:ea typeface="맑은 고딕" panose="020B0503020000020004" pitchFamily="50" charset="-127"/>
+              </a:defRPr>
+            </a:lvl1pPr>
+            <a:lvl2pPr marL="742950" indent="-285750" latinLnBrk="1">
+              <a:spcBef>
+                <a:spcPct val="30000"/>
+              </a:spcBef>
+              <a:defRPr sz="1200">
+                <a:solidFill>
+                  <a:schemeClr val="tx1"/>
+                </a:solidFill>
+                <a:latin typeface="맑은 고딕" panose="020B0503020000020004" pitchFamily="50" charset="-127"/>
+                <a:ea typeface="맑은 고딕" panose="020B0503020000020004" pitchFamily="50" charset="-127"/>
+              </a:defRPr>
+            </a:lvl2pPr>
+            <a:lvl3pPr marL="1143000" indent="-228600" latinLnBrk="1">
+              <a:spcBef>
+                <a:spcPct val="30000"/>
+              </a:spcBef>
+              <a:defRPr sz="1200">
+                <a:solidFill>
+                  <a:schemeClr val="tx1"/>
+                </a:solidFill>
+                <a:latin typeface="맑은 고딕" panose="020B0503020000020004" pitchFamily="50" charset="-127"/>
+                <a:ea typeface="맑은 고딕" panose="020B0503020000020004" pitchFamily="50" charset="-127"/>
+              </a:defRPr>
+            </a:lvl3pPr>
+            <a:lvl4pPr marL="1600200" indent="-228600" latinLnBrk="1">
+              <a:spcBef>
+                <a:spcPct val="30000"/>
+              </a:spcBef>
+              <a:defRPr sz="1200">
+                <a:solidFill>
+                  <a:schemeClr val="tx1"/>
+                </a:solidFill>
+                <a:latin typeface="맑은 고딕" panose="020B0503020000020004" pitchFamily="50" charset="-127"/>
+                <a:ea typeface="맑은 고딕" panose="020B0503020000020004" pitchFamily="50" charset="-127"/>
+              </a:defRPr>
+            </a:lvl4pPr>
+            <a:lvl5pPr marL="2057400" indent="-228600" latinLnBrk="1">
+              <a:spcBef>
+                <a:spcPct val="30000"/>
+              </a:spcBef>
+              <a:defRPr sz="1200">
+                <a:solidFill>
+                  <a:schemeClr val="tx1"/>
+                </a:solidFill>
+                <a:latin typeface="맑은 고딕" panose="020B0503020000020004" pitchFamily="50" charset="-127"/>
+                <a:ea typeface="맑은 고딕" panose="020B0503020000020004" pitchFamily="50" charset="-127"/>
+              </a:defRPr>
+            </a:lvl5pPr>
+            <a:lvl6pPr marL="2514600" indent="-228600" eaLnBrk="0" fontAlgn="base" hangingPunct="0">
+              <a:spcBef>
+                <a:spcPct val="30000"/>
+              </a:spcBef>
+              <a:spcAft>
+                <a:spcPct val="0"/>
+              </a:spcAft>
+              <a:defRPr sz="1200">
+                <a:solidFill>
+                  <a:schemeClr val="tx1"/>
+                </a:solidFill>
+                <a:latin typeface="맑은 고딕" panose="020B0503020000020004" pitchFamily="50" charset="-127"/>
+                <a:ea typeface="맑은 고딕" panose="020B0503020000020004" pitchFamily="50" charset="-127"/>
+              </a:defRPr>
+            </a:lvl6pPr>
+            <a:lvl7pPr marL="2971800" indent="-228600" eaLnBrk="0" fontAlgn="base" hangingPunct="0">
+              <a:spcBef>
+                <a:spcPct val="30000"/>
+              </a:spcBef>
+              <a:spcAft>
+                <a:spcPct val="0"/>
+              </a:spcAft>
+              <a:defRPr sz="1200">
+                <a:solidFill>
+                  <a:schemeClr val="tx1"/>
+                </a:solidFill>
+                <a:latin typeface="맑은 고딕" panose="020B0503020000020004" pitchFamily="50" charset="-127"/>
+                <a:ea typeface="맑은 고딕" panose="020B0503020000020004" pitchFamily="50" charset="-127"/>
+              </a:defRPr>
+            </a:lvl7pPr>
+            <a:lvl8pPr marL="3429000" indent="-228600" eaLnBrk="0" fontAlgn="base" hangingPunct="0">
+              <a:spcBef>
+                <a:spcPct val="30000"/>
+              </a:spcBef>
+              <a:spcAft>
+                <a:spcPct val="0"/>
+              </a:spcAft>
+              <a:defRPr sz="1200">
+                <a:solidFill>
+                  <a:schemeClr val="tx1"/>
+                </a:solidFill>
+                <a:latin typeface="맑은 고딕" panose="020B0503020000020004" pitchFamily="50" charset="-127"/>
+                <a:ea typeface="맑은 고딕" panose="020B0503020000020004" pitchFamily="50" charset="-127"/>
+              </a:defRPr>
+            </a:lvl8pPr>
+            <a:lvl9pPr marL="3886200" indent="-228600" eaLnBrk="0" fontAlgn="base" hangingPunct="0">
+              <a:spcBef>
+                <a:spcPct val="30000"/>
+              </a:spcBef>
+              <a:spcAft>
+                <a:spcPct val="0"/>
+              </a:spcAft>
+              <a:defRPr sz="1200">
+                <a:solidFill>
+                  <a:schemeClr val="tx1"/>
+                </a:solidFill>
+                <a:latin typeface="맑은 고딕" panose="020B0503020000020004" pitchFamily="50" charset="-127"/>
+                <a:ea typeface="맑은 고딕" panose="020B0503020000020004" pitchFamily="50" charset="-127"/>
+              </a:defRPr>
+            </a:lvl9pPr>
+          </a:lstStyle>
+          <a:p>
+            <a:pPr fontAlgn="base">
+              <a:spcBef>
+                <a:spcPct val="0"/>
+              </a:spcBef>
+              <a:spcAft>
+                <a:spcPct val="0"/>
+              </a:spcAft>
+            </a:pPr>
+            <a:fld id="{D8DE56D0-6527-4591-8178-52150C90286C}" type="slidenum">
+              <a:rPr lang="ko-KR" altLang="en-US" smtClean="0"/>
+              <a:pPr fontAlgn="base">
+                <a:spcBef>
+                  <a:spcPct val="0"/>
+                </a:spcBef>
+                <a:spcAft>
+                  <a:spcPct val="0"/>
+                </a:spcAft>
+              </a:pPr>
+              <a:t>11</a:t>
+            </a:fld>
+            <a:endParaRPr lang="ko-KR" altLang="en-US"/>
+          </a:p>
+        </p:txBody>
+      </p:sp>
+    </p:spTree>
+    <p:extLst>
+      <p:ext uri="{BB962C8B-B14F-4D97-AF65-F5344CB8AC3E}">
+        <p14:creationId xmlns:p14="http://schemas.microsoft.com/office/powerpoint/2010/main" val="3566006938"/>
+      </p:ext>
+    </p:extLst>
+  </p:cSld>
+  <p:clrMapOvr>
+    <a:masterClrMapping/>
+  </p:clrMapOvr>
+</p:notes>
+</file>
+
+<file path=ppt/notesSlides/notesSlide12.xml><?xml version="1.0" encoding="utf-8"?>
+<p:notes xmlns:a="http://schemas.openxmlformats.org/drawingml/2006/main" xmlns:r="http://schemas.openxmlformats.org/officeDocument/2006/relationships" xmlns:p="http://schemas.openxmlformats.org/presentationml/2006/main">
+  <p:cSld>
+    <p:spTree>
+      <p:nvGrpSpPr>
+        <p:cNvPr id="1" name=""/>
+        <p:cNvGrpSpPr/>
+        <p:nvPr/>
+      </p:nvGrpSpPr>
+      <p:grpSpPr>
+        <a:xfrm>
+          <a:off x="0" y="0"/>
+          <a:ext cx="0" cy="0"/>
+          <a:chOff x="0" y="0"/>
+          <a:chExt cx="0" cy="0"/>
+        </a:xfrm>
+      </p:grpSpPr>
+      <p:sp>
+        <p:nvSpPr>
           <p:cNvPr id="14338" name="슬라이드 이미지 개체 틀 1">
             <a:extLst>
               <a:ext uri="{FF2B5EF4-FFF2-40B4-BE49-F238E27FC236}">
@@ -9230,7 +10008,7 @@
                   <a:spcPct val="0"/>
                 </a:spcAft>
               </a:pPr>
-              <a:t>10</a:t>
+              <a:t>12</a:t>
             </a:fld>
             <a:endParaRPr lang="ko-KR" altLang="en-US"/>
           </a:p>
@@ -9249,7 +10027,7 @@
 </p:notes>
 </file>
 
-<file path=ppt/notesSlides/notesSlide11.xml><?xml version="1.0" encoding="utf-8"?>
+<file path=ppt/notesSlides/notesSlide13.xml><?xml version="1.0" encoding="utf-8"?>
 <p:notes xmlns:a="http://schemas.openxmlformats.org/drawingml/2006/main" xmlns:r="http://schemas.openxmlformats.org/officeDocument/2006/relationships" xmlns:p="http://schemas.openxmlformats.org/presentationml/2006/main">
   <p:cSld>
     <p:spTree>
@@ -9547,7 +10325,7 @@
                   <a:spcPct val="0"/>
                 </a:spcAft>
               </a:pPr>
-              <a:t>11</a:t>
+              <a:t>13</a:t>
             </a:fld>
             <a:endParaRPr lang="ko-KR" altLang="en-US"/>
           </a:p>
@@ -9566,7 +10344,7 @@
 </p:notes>
 </file>
 
-<file path=ppt/notesSlides/notesSlide12.xml><?xml version="1.0" encoding="utf-8"?>
+<file path=ppt/notesSlides/notesSlide14.xml><?xml version="1.0" encoding="utf-8"?>
 <p:notes xmlns:a="http://schemas.openxmlformats.org/drawingml/2006/main" xmlns:r="http://schemas.openxmlformats.org/officeDocument/2006/relationships" xmlns:p="http://schemas.openxmlformats.org/presentationml/2006/main">
   <p:cSld>
     <p:spTree>
@@ -9864,7 +10642,7 @@
                   <a:spcPct val="0"/>
                 </a:spcAft>
               </a:pPr>
-              <a:t>12</a:t>
+              <a:t>14</a:t>
             </a:fld>
             <a:endParaRPr lang="ko-KR" altLang="en-US"/>
           </a:p>
@@ -9883,7 +10661,7 @@
 </p:notes>
 </file>
 
-<file path=ppt/notesSlides/notesSlide13.xml><?xml version="1.0" encoding="utf-8"?>
+<file path=ppt/notesSlides/notesSlide15.xml><?xml version="1.0" encoding="utf-8"?>
 <p:notes xmlns:a="http://schemas.openxmlformats.org/drawingml/2006/main" xmlns:r="http://schemas.openxmlformats.org/officeDocument/2006/relationships" xmlns:p="http://schemas.openxmlformats.org/presentationml/2006/main">
   <p:cSld>
     <p:spTree>
@@ -10181,7 +10959,7 @@
                   <a:spcPct val="0"/>
                 </a:spcAft>
               </a:pPr>
-              <a:t>13</a:t>
+              <a:t>15</a:t>
             </a:fld>
             <a:endParaRPr lang="ko-KR" altLang="en-US"/>
           </a:p>
@@ -10195,7 +10973,7 @@
 </p:notes>
 </file>
 
-<file path=ppt/notesSlides/notesSlide14.xml><?xml version="1.0" encoding="utf-8"?>
+<file path=ppt/notesSlides/notesSlide16.xml><?xml version="1.0" encoding="utf-8"?>
 <p:notes xmlns:a="http://schemas.openxmlformats.org/drawingml/2006/main" xmlns:r="http://schemas.openxmlformats.org/officeDocument/2006/relationships" xmlns:p="http://schemas.openxmlformats.org/presentationml/2006/main">
   <p:cSld>
     <p:spTree>
@@ -10492,7 +11270,7 @@
                   <a:spcPct val="0"/>
                 </a:spcAft>
               </a:pPr>
-              <a:t>14</a:t>
+              <a:t>16</a:t>
             </a:fld>
             <a:endParaRPr lang="ko-KR" altLang="en-US"/>
           </a:p>
@@ -10506,7 +11284,7 @@
 </p:notes>
 </file>
 
-<file path=ppt/notesSlides/notesSlide15.xml><?xml version="1.0" encoding="utf-8"?>
+<file path=ppt/notesSlides/notesSlide17.xml><?xml version="1.0" encoding="utf-8"?>
 <p:notes xmlns:a="http://schemas.openxmlformats.org/drawingml/2006/main" xmlns:r="http://schemas.openxmlformats.org/officeDocument/2006/relationships" xmlns:p="http://schemas.openxmlformats.org/presentationml/2006/main">
   <p:cSld>
     <p:spTree>
@@ -10804,7 +11582,7 @@
                   <a:spcPct val="0"/>
                 </a:spcAft>
               </a:pPr>
-              <a:t>15</a:t>
+              <a:t>17</a:t>
             </a:fld>
             <a:endParaRPr lang="ko-KR" altLang="en-US"/>
           </a:p>
@@ -10818,7 +11596,7 @@
 </p:notes>
 </file>
 
-<file path=ppt/notesSlides/notesSlide16.xml><?xml version="1.0" encoding="utf-8"?>
+<file path=ppt/notesSlides/notesSlide18.xml><?xml version="1.0" encoding="utf-8"?>
 <p:notes xmlns:a="http://schemas.openxmlformats.org/drawingml/2006/main" xmlns:r="http://schemas.openxmlformats.org/officeDocument/2006/relationships" xmlns:p="http://schemas.openxmlformats.org/presentationml/2006/main">
   <p:cSld>
     <p:spTree>
@@ -11116,7 +11894,7 @@
                   <a:spcPct val="0"/>
                 </a:spcAft>
               </a:pPr>
-              <a:t>16</a:t>
+              <a:t>18</a:t>
             </a:fld>
             <a:endParaRPr lang="ko-KR" altLang="en-US"/>
           </a:p>
@@ -11135,7 +11913,7 @@
 </p:notes>
 </file>
 
-<file path=ppt/notesSlides/notesSlide17.xml><?xml version="1.0" encoding="utf-8"?>
+<file path=ppt/notesSlides/notesSlide19.xml><?xml version="1.0" encoding="utf-8"?>
 <p:notes xmlns:a="http://schemas.openxmlformats.org/drawingml/2006/main" xmlns:r="http://schemas.openxmlformats.org/officeDocument/2006/relationships" xmlns:p="http://schemas.openxmlformats.org/presentationml/2006/main">
   <p:cSld>
     <p:spTree>
@@ -11432,7 +12210,7 @@
                   <a:spcPct val="0"/>
                 </a:spcAft>
               </a:pPr>
-              <a:t>17</a:t>
+              <a:t>19</a:t>
             </a:fld>
             <a:endParaRPr lang="ko-KR" altLang="en-US"/>
           </a:p>
@@ -19161,6 +19939,1476 @@
           <p:cNvPr id="75" name="TextBox 74">
             <a:extLst>
               <a:ext uri="{FF2B5EF4-FFF2-40B4-BE49-F238E27FC236}">
+                <a16:creationId xmlns:a16="http://schemas.microsoft.com/office/drawing/2014/main" id="{BA4456D3-E9BD-4B3E-8A6A-3412A6F13361}"/>
+              </a:ext>
+            </a:extLst>
+          </p:cNvPr>
+          <p:cNvSpPr txBox="1"/>
+          <p:nvPr/>
+        </p:nvSpPr>
+        <p:spPr>
+          <a:xfrm>
+            <a:off x="179388" y="404813"/>
+            <a:ext cx="1008062" cy="769937"/>
+          </a:xfrm>
+          <a:prstGeom prst="rect">
+            <a:avLst/>
+          </a:prstGeom>
+          <a:noFill/>
+        </p:spPr>
+        <p:txBody>
+          <a:bodyPr>
+            <a:spAutoFit/>
+          </a:bodyPr>
+          <a:lstStyle/>
+          <a:p>
+            <a:pPr eaLnBrk="1" fontAlgn="auto" latinLnBrk="1" hangingPunct="1">
+              <a:spcBef>
+                <a:spcPts val="0"/>
+              </a:spcBef>
+              <a:spcAft>
+                <a:spcPts val="0"/>
+              </a:spcAft>
+              <a:defRPr/>
+            </a:pPr>
+            <a:r>
+              <a:rPr lang="en-US" altLang="ko-KR" sz="4400" b="1" spc="-300" dirty="0">
+                <a:solidFill>
+                  <a:schemeClr val="bg1"/>
+                </a:solidFill>
+                <a:latin typeface="+mn-lt"/>
+                <a:ea typeface="+mn-ea"/>
+              </a:rPr>
+              <a:t>05</a:t>
+            </a:r>
+            <a:endParaRPr lang="ko-KR" altLang="en-US" b="1" spc="-300" dirty="0">
+              <a:solidFill>
+                <a:schemeClr val="bg1"/>
+              </a:solidFill>
+              <a:latin typeface="+mn-lt"/>
+              <a:ea typeface="+mn-ea"/>
+            </a:endParaRPr>
+          </a:p>
+        </p:txBody>
+      </p:sp>
+      <p:grpSp>
+        <p:nvGrpSpPr>
+          <p:cNvPr id="23555" name="그룹 76">
+            <a:extLst>
+              <a:ext uri="{FF2B5EF4-FFF2-40B4-BE49-F238E27FC236}">
+                <a16:creationId xmlns:a16="http://schemas.microsoft.com/office/drawing/2014/main" id="{F089DC5B-D5FD-48C8-BB29-0C2044D0F315}"/>
+              </a:ext>
+            </a:extLst>
+          </p:cNvPr>
+          <p:cNvGrpSpPr>
+            <a:grpSpLocks/>
+          </p:cNvGrpSpPr>
+          <p:nvPr/>
+        </p:nvGrpSpPr>
+        <p:grpSpPr bwMode="auto">
+          <a:xfrm>
+            <a:off x="966788" y="611188"/>
+            <a:ext cx="2957512" cy="431800"/>
+            <a:chOff x="1835696" y="2060848"/>
+            <a:chExt cx="2520280" cy="504056"/>
+          </a:xfrm>
+        </p:grpSpPr>
+        <p:sp>
+          <p:nvSpPr>
+            <p:cNvPr id="78" name="직사각형 77">
+              <a:extLst>
+                <a:ext uri="{FF2B5EF4-FFF2-40B4-BE49-F238E27FC236}">
+                  <a16:creationId xmlns:a16="http://schemas.microsoft.com/office/drawing/2014/main" id="{AC38D559-2708-43ED-88C5-190A764A5CCF}"/>
+                </a:ext>
+              </a:extLst>
+            </p:cNvPr>
+            <p:cNvSpPr/>
+            <p:nvPr/>
+          </p:nvSpPr>
+          <p:spPr>
+            <a:xfrm>
+              <a:off x="1835696" y="2060848"/>
+              <a:ext cx="2303831" cy="504056"/>
+            </a:xfrm>
+            <a:prstGeom prst="rect">
+              <a:avLst/>
+            </a:prstGeom>
+            <a:solidFill>
+              <a:schemeClr val="bg1"/>
+            </a:solidFill>
+            <a:ln>
+              <a:noFill/>
+            </a:ln>
+          </p:spPr>
+          <p:style>
+            <a:lnRef idx="2">
+              <a:schemeClr val="accent1">
+                <a:shade val="50000"/>
+              </a:schemeClr>
+            </a:lnRef>
+            <a:fillRef idx="1">
+              <a:schemeClr val="accent1"/>
+            </a:fillRef>
+            <a:effectRef idx="0">
+              <a:schemeClr val="accent1"/>
+            </a:effectRef>
+            <a:fontRef idx="minor">
+              <a:schemeClr val="lt1"/>
+            </a:fontRef>
+          </p:style>
+          <p:txBody>
+            <a:bodyPr anchor="ctr"/>
+            <a:lstStyle/>
+            <a:p>
+              <a:pPr algn="ctr" eaLnBrk="1" fontAlgn="auto" latinLnBrk="1" hangingPunct="1">
+                <a:spcBef>
+                  <a:spcPts val="0"/>
+                </a:spcBef>
+                <a:spcAft>
+                  <a:spcPts val="0"/>
+                </a:spcAft>
+                <a:defRPr/>
+              </a:pPr>
+              <a:endParaRPr lang="ko-KR" altLang="en-US">
+                <a:solidFill>
+                  <a:schemeClr val="bg1"/>
+                </a:solidFill>
+              </a:endParaRPr>
+            </a:p>
+          </p:txBody>
+        </p:sp>
+        <p:sp>
+          <p:nvSpPr>
+            <p:cNvPr id="79" name="타원 78">
+              <a:extLst>
+                <a:ext uri="{FF2B5EF4-FFF2-40B4-BE49-F238E27FC236}">
+                  <a16:creationId xmlns:a16="http://schemas.microsoft.com/office/drawing/2014/main" id="{86465956-7E85-47F3-A2B0-5B60D3CF2D15}"/>
+                </a:ext>
+              </a:extLst>
+            </p:cNvPr>
+            <p:cNvSpPr/>
+            <p:nvPr/>
+          </p:nvSpPr>
+          <p:spPr>
+            <a:xfrm>
+              <a:off x="3851379" y="2060848"/>
+              <a:ext cx="504597" cy="504056"/>
+            </a:xfrm>
+            <a:prstGeom prst="ellipse">
+              <a:avLst/>
+            </a:prstGeom>
+            <a:solidFill>
+              <a:schemeClr val="bg1"/>
+            </a:solidFill>
+            <a:ln>
+              <a:noFill/>
+            </a:ln>
+          </p:spPr>
+          <p:style>
+            <a:lnRef idx="2">
+              <a:schemeClr val="accent1">
+                <a:shade val="50000"/>
+              </a:schemeClr>
+            </a:lnRef>
+            <a:fillRef idx="1">
+              <a:schemeClr val="accent1"/>
+            </a:fillRef>
+            <a:effectRef idx="0">
+              <a:schemeClr val="accent1"/>
+            </a:effectRef>
+            <a:fontRef idx="minor">
+              <a:schemeClr val="lt1"/>
+            </a:fontRef>
+          </p:style>
+          <p:txBody>
+            <a:bodyPr anchor="ctr"/>
+            <a:lstStyle/>
+            <a:p>
+              <a:pPr algn="ctr" eaLnBrk="1" fontAlgn="auto" latinLnBrk="1" hangingPunct="1">
+                <a:spcBef>
+                  <a:spcPts val="0"/>
+                </a:spcBef>
+                <a:spcAft>
+                  <a:spcPts val="0"/>
+                </a:spcAft>
+                <a:defRPr/>
+              </a:pPr>
+              <a:endParaRPr lang="ko-KR" altLang="en-US"/>
+            </a:p>
+          </p:txBody>
+        </p:sp>
+      </p:grpSp>
+      <p:sp>
+        <p:nvSpPr>
+          <p:cNvPr id="23556" name="TextBox 8">
+            <a:extLst>
+              <a:ext uri="{FF2B5EF4-FFF2-40B4-BE49-F238E27FC236}">
+                <a16:creationId xmlns:a16="http://schemas.microsoft.com/office/drawing/2014/main" id="{AAFAEEE9-7B96-4D90-A60A-D8274ED06DCC}"/>
+              </a:ext>
+            </a:extLst>
+          </p:cNvPr>
+          <p:cNvSpPr txBox="1">
+            <a:spLocks noChangeArrowheads="1"/>
+          </p:cNvSpPr>
+          <p:nvPr/>
+        </p:nvSpPr>
+        <p:spPr bwMode="auto">
+          <a:xfrm>
+            <a:off x="1038225" y="625475"/>
+            <a:ext cx="2670175" cy="369332"/>
+          </a:xfrm>
+          <a:prstGeom prst="rect">
+            <a:avLst/>
+          </a:prstGeom>
+          <a:noFill/>
+          <a:ln>
+            <a:noFill/>
+          </a:ln>
+          <a:extLst>
+            <a:ext uri="{909E8E84-426E-40DD-AFC4-6F175D3DCCD1}">
+              <a14:hiddenFill xmlns:a14="http://schemas.microsoft.com/office/drawing/2010/main">
+                <a:solidFill>
+                  <a:srgbClr val="FFFFFF"/>
+                </a:solidFill>
+              </a14:hiddenFill>
+            </a:ext>
+            <a:ext uri="{91240B29-F687-4F45-9708-019B960494DF}">
+              <a14:hiddenLine xmlns:a14="http://schemas.microsoft.com/office/drawing/2010/main" w="9525">
+                <a:solidFill>
+                  <a:srgbClr val="000000"/>
+                </a:solidFill>
+                <a:miter lim="800000"/>
+                <a:headEnd/>
+                <a:tailEnd/>
+              </a14:hiddenLine>
+            </a:ext>
+          </a:extLst>
+        </p:spPr>
+        <p:txBody>
+          <a:bodyPr>
+            <a:spAutoFit/>
+          </a:bodyPr>
+          <a:lstStyle>
+            <a:lvl1pPr latinLnBrk="1">
+              <a:spcBef>
+                <a:spcPct val="20000"/>
+              </a:spcBef>
+              <a:buFont typeface="Arial" panose="020B0604020202020204" pitchFamily="34" charset="0"/>
+              <a:buChar char="•"/>
+              <a:defRPr sz="3200">
+                <a:solidFill>
+                  <a:schemeClr val="tx1"/>
+                </a:solidFill>
+                <a:latin typeface="맑은 고딕" panose="020B0503020000020004" pitchFamily="50" charset="-127"/>
+                <a:ea typeface="맑은 고딕" panose="020B0503020000020004" pitchFamily="50" charset="-127"/>
+              </a:defRPr>
+            </a:lvl1pPr>
+            <a:lvl2pPr marL="742950" indent="-285750" latinLnBrk="1">
+              <a:spcBef>
+                <a:spcPct val="20000"/>
+              </a:spcBef>
+              <a:buFont typeface="Arial" panose="020B0604020202020204" pitchFamily="34" charset="0"/>
+              <a:buChar char="–"/>
+              <a:defRPr sz="2800">
+                <a:solidFill>
+                  <a:schemeClr val="tx1"/>
+                </a:solidFill>
+                <a:latin typeface="맑은 고딕" panose="020B0503020000020004" pitchFamily="50" charset="-127"/>
+                <a:ea typeface="맑은 고딕" panose="020B0503020000020004" pitchFamily="50" charset="-127"/>
+              </a:defRPr>
+            </a:lvl2pPr>
+            <a:lvl3pPr marL="1143000" indent="-228600" latinLnBrk="1">
+              <a:spcBef>
+                <a:spcPct val="20000"/>
+              </a:spcBef>
+              <a:buFont typeface="Arial" panose="020B0604020202020204" pitchFamily="34" charset="0"/>
+              <a:buChar char="•"/>
+              <a:defRPr sz="2400">
+                <a:solidFill>
+                  <a:schemeClr val="tx1"/>
+                </a:solidFill>
+                <a:latin typeface="맑은 고딕" panose="020B0503020000020004" pitchFamily="50" charset="-127"/>
+                <a:ea typeface="맑은 고딕" panose="020B0503020000020004" pitchFamily="50" charset="-127"/>
+              </a:defRPr>
+            </a:lvl3pPr>
+            <a:lvl4pPr marL="1600200" indent="-228600" latinLnBrk="1">
+              <a:spcBef>
+                <a:spcPct val="20000"/>
+              </a:spcBef>
+              <a:buFont typeface="Arial" panose="020B0604020202020204" pitchFamily="34" charset="0"/>
+              <a:buChar char="–"/>
+              <a:defRPr sz="2000">
+                <a:solidFill>
+                  <a:schemeClr val="tx1"/>
+                </a:solidFill>
+                <a:latin typeface="맑은 고딕" panose="020B0503020000020004" pitchFamily="50" charset="-127"/>
+                <a:ea typeface="맑은 고딕" panose="020B0503020000020004" pitchFamily="50" charset="-127"/>
+              </a:defRPr>
+            </a:lvl4pPr>
+            <a:lvl5pPr marL="2057400" indent="-228600" latinLnBrk="1">
+              <a:spcBef>
+                <a:spcPct val="20000"/>
+              </a:spcBef>
+              <a:buFont typeface="Arial" panose="020B0604020202020204" pitchFamily="34" charset="0"/>
+              <a:buChar char="»"/>
+              <a:defRPr sz="2000">
+                <a:solidFill>
+                  <a:schemeClr val="tx1"/>
+                </a:solidFill>
+                <a:latin typeface="맑은 고딕" panose="020B0503020000020004" pitchFamily="50" charset="-127"/>
+                <a:ea typeface="맑은 고딕" panose="020B0503020000020004" pitchFamily="50" charset="-127"/>
+              </a:defRPr>
+            </a:lvl5pPr>
+            <a:lvl6pPr marL="2514600" indent="-228600" eaLnBrk="0" fontAlgn="base" hangingPunct="0">
+              <a:spcBef>
+                <a:spcPct val="20000"/>
+              </a:spcBef>
+              <a:spcAft>
+                <a:spcPct val="0"/>
+              </a:spcAft>
+              <a:buFont typeface="Arial" panose="020B0604020202020204" pitchFamily="34" charset="0"/>
+              <a:buChar char="»"/>
+              <a:defRPr sz="2000">
+                <a:solidFill>
+                  <a:schemeClr val="tx1"/>
+                </a:solidFill>
+                <a:latin typeface="맑은 고딕" panose="020B0503020000020004" pitchFamily="50" charset="-127"/>
+                <a:ea typeface="맑은 고딕" panose="020B0503020000020004" pitchFamily="50" charset="-127"/>
+              </a:defRPr>
+            </a:lvl6pPr>
+            <a:lvl7pPr marL="2971800" indent="-228600" eaLnBrk="0" fontAlgn="base" hangingPunct="0">
+              <a:spcBef>
+                <a:spcPct val="20000"/>
+              </a:spcBef>
+              <a:spcAft>
+                <a:spcPct val="0"/>
+              </a:spcAft>
+              <a:buFont typeface="Arial" panose="020B0604020202020204" pitchFamily="34" charset="0"/>
+              <a:buChar char="»"/>
+              <a:defRPr sz="2000">
+                <a:solidFill>
+                  <a:schemeClr val="tx1"/>
+                </a:solidFill>
+                <a:latin typeface="맑은 고딕" panose="020B0503020000020004" pitchFamily="50" charset="-127"/>
+                <a:ea typeface="맑은 고딕" panose="020B0503020000020004" pitchFamily="50" charset="-127"/>
+              </a:defRPr>
+            </a:lvl7pPr>
+            <a:lvl8pPr marL="3429000" indent="-228600" eaLnBrk="0" fontAlgn="base" hangingPunct="0">
+              <a:spcBef>
+                <a:spcPct val="20000"/>
+              </a:spcBef>
+              <a:spcAft>
+                <a:spcPct val="0"/>
+              </a:spcAft>
+              <a:buFont typeface="Arial" panose="020B0604020202020204" pitchFamily="34" charset="0"/>
+              <a:buChar char="»"/>
+              <a:defRPr sz="2000">
+                <a:solidFill>
+                  <a:schemeClr val="tx1"/>
+                </a:solidFill>
+                <a:latin typeface="맑은 고딕" panose="020B0503020000020004" pitchFamily="50" charset="-127"/>
+                <a:ea typeface="맑은 고딕" panose="020B0503020000020004" pitchFamily="50" charset="-127"/>
+              </a:defRPr>
+            </a:lvl8pPr>
+            <a:lvl9pPr marL="3886200" indent="-228600" eaLnBrk="0" fontAlgn="base" hangingPunct="0">
+              <a:spcBef>
+                <a:spcPct val="20000"/>
+              </a:spcBef>
+              <a:spcAft>
+                <a:spcPct val="0"/>
+              </a:spcAft>
+              <a:buFont typeface="Arial" panose="020B0604020202020204" pitchFamily="34" charset="0"/>
+              <a:buChar char="»"/>
+              <a:defRPr sz="2000">
+                <a:solidFill>
+                  <a:schemeClr val="tx1"/>
+                </a:solidFill>
+                <a:latin typeface="맑은 고딕" panose="020B0503020000020004" pitchFamily="50" charset="-127"/>
+                <a:ea typeface="맑은 고딕" panose="020B0503020000020004" pitchFamily="50" charset="-127"/>
+              </a:defRPr>
+            </a:lvl9pPr>
+          </a:lstStyle>
+          <a:p>
+            <a:pPr eaLnBrk="1" hangingPunct="1">
+              <a:spcBef>
+                <a:spcPct val="0"/>
+              </a:spcBef>
+              <a:buFontTx/>
+              <a:buNone/>
+            </a:pPr>
+            <a:r>
+              <a:rPr lang="ko-KR" altLang="en-US" sz="1800" b="1" dirty="0">
+                <a:solidFill>
+                  <a:schemeClr val="tx2"/>
+                </a:solidFill>
+              </a:rPr>
+              <a:t>개발내용</a:t>
+            </a:r>
+            <a:endParaRPr lang="ko-KR" altLang="en-US" sz="2000" b="1" dirty="0">
+              <a:solidFill>
+                <a:schemeClr val="tx2"/>
+              </a:solidFill>
+            </a:endParaRPr>
+          </a:p>
+        </p:txBody>
+      </p:sp>
+      <p:sp>
+        <p:nvSpPr>
+          <p:cNvPr id="6" name="슬라이드 번호 개체 틀 5">
+            <a:extLst>
+              <a:ext uri="{FF2B5EF4-FFF2-40B4-BE49-F238E27FC236}">
+                <a16:creationId xmlns:a16="http://schemas.microsoft.com/office/drawing/2014/main" id="{A9523967-16CA-404B-BF5C-F4CBD60B9590}"/>
+              </a:ext>
+            </a:extLst>
+          </p:cNvPr>
+          <p:cNvSpPr>
+            <a:spLocks noGrp="1"/>
+          </p:cNvSpPr>
+          <p:nvPr>
+            <p:ph type="sldNum" sz="quarter" idx="12"/>
+          </p:nvPr>
+        </p:nvSpPr>
+        <p:spPr/>
+        <p:txBody>
+          <a:bodyPr/>
+          <a:lstStyle/>
+          <a:p>
+            <a:pPr>
+              <a:defRPr/>
+            </a:pPr>
+            <a:fld id="{20A3CF77-C750-4FC6-9E8C-3F6525169A40}" type="slidenum">
+              <a:rPr lang="ko-KR" altLang="en-US" smtClean="0"/>
+              <a:pPr>
+                <a:defRPr/>
+              </a:pPr>
+              <a:t>10</a:t>
+            </a:fld>
+            <a:endParaRPr lang="ko-KR" altLang="en-US"/>
+          </a:p>
+        </p:txBody>
+      </p:sp>
+      <p:sp>
+        <p:nvSpPr>
+          <p:cNvPr id="12" name="직사각형 9">
+            <a:extLst>
+              <a:ext uri="{FF2B5EF4-FFF2-40B4-BE49-F238E27FC236}">
+                <a16:creationId xmlns:a16="http://schemas.microsoft.com/office/drawing/2014/main" id="{3833FE13-8AC6-4DA4-83CB-BF9F22C05997}"/>
+              </a:ext>
+            </a:extLst>
+          </p:cNvPr>
+          <p:cNvSpPr>
+            <a:spLocks noChangeArrowheads="1"/>
+          </p:cNvSpPr>
+          <p:nvPr/>
+        </p:nvSpPr>
+        <p:spPr bwMode="auto">
+          <a:xfrm>
+            <a:off x="900113" y="1196975"/>
+            <a:ext cx="2262158" cy="369332"/>
+          </a:xfrm>
+          <a:prstGeom prst="rect">
+            <a:avLst/>
+          </a:prstGeom>
+          <a:noFill/>
+          <a:ln>
+            <a:noFill/>
+          </a:ln>
+          <a:extLst>
+            <a:ext uri="{909E8E84-426E-40DD-AFC4-6F175D3DCCD1}">
+              <a14:hiddenFill xmlns:a14="http://schemas.microsoft.com/office/drawing/2010/main">
+                <a:solidFill>
+                  <a:srgbClr val="FFFFFF"/>
+                </a:solidFill>
+              </a14:hiddenFill>
+            </a:ext>
+            <a:ext uri="{91240B29-F687-4F45-9708-019B960494DF}">
+              <a14:hiddenLine xmlns:a14="http://schemas.microsoft.com/office/drawing/2010/main" w="9525">
+                <a:solidFill>
+                  <a:srgbClr val="000000"/>
+                </a:solidFill>
+                <a:miter lim="800000"/>
+                <a:headEnd/>
+                <a:tailEnd/>
+              </a14:hiddenLine>
+            </a:ext>
+          </a:extLst>
+        </p:spPr>
+        <p:txBody>
+          <a:bodyPr wrap="none">
+            <a:spAutoFit/>
+          </a:bodyPr>
+          <a:lstStyle>
+            <a:lvl1pPr latinLnBrk="1">
+              <a:spcBef>
+                <a:spcPct val="20000"/>
+              </a:spcBef>
+              <a:buFont typeface="Arial" panose="020B0604020202020204" pitchFamily="34" charset="0"/>
+              <a:buChar char="•"/>
+              <a:defRPr sz="3200">
+                <a:solidFill>
+                  <a:schemeClr val="tx1"/>
+                </a:solidFill>
+                <a:latin typeface="맑은 고딕" panose="020B0503020000020004" pitchFamily="50" charset="-127"/>
+                <a:ea typeface="맑은 고딕" panose="020B0503020000020004" pitchFamily="50" charset="-127"/>
+              </a:defRPr>
+            </a:lvl1pPr>
+            <a:lvl2pPr marL="742950" indent="-285750" latinLnBrk="1">
+              <a:spcBef>
+                <a:spcPct val="20000"/>
+              </a:spcBef>
+              <a:buFont typeface="Arial" panose="020B0604020202020204" pitchFamily="34" charset="0"/>
+              <a:buChar char="–"/>
+              <a:defRPr sz="2800">
+                <a:solidFill>
+                  <a:schemeClr val="tx1"/>
+                </a:solidFill>
+                <a:latin typeface="맑은 고딕" panose="020B0503020000020004" pitchFamily="50" charset="-127"/>
+                <a:ea typeface="맑은 고딕" panose="020B0503020000020004" pitchFamily="50" charset="-127"/>
+              </a:defRPr>
+            </a:lvl2pPr>
+            <a:lvl3pPr marL="1143000" indent="-228600" latinLnBrk="1">
+              <a:spcBef>
+                <a:spcPct val="20000"/>
+              </a:spcBef>
+              <a:buFont typeface="Arial" panose="020B0604020202020204" pitchFamily="34" charset="0"/>
+              <a:buChar char="•"/>
+              <a:defRPr sz="2400">
+                <a:solidFill>
+                  <a:schemeClr val="tx1"/>
+                </a:solidFill>
+                <a:latin typeface="맑은 고딕" panose="020B0503020000020004" pitchFamily="50" charset="-127"/>
+                <a:ea typeface="맑은 고딕" panose="020B0503020000020004" pitchFamily="50" charset="-127"/>
+              </a:defRPr>
+            </a:lvl3pPr>
+            <a:lvl4pPr marL="1600200" indent="-228600" latinLnBrk="1">
+              <a:spcBef>
+                <a:spcPct val="20000"/>
+              </a:spcBef>
+              <a:buFont typeface="Arial" panose="020B0604020202020204" pitchFamily="34" charset="0"/>
+              <a:buChar char="–"/>
+              <a:defRPr sz="2000">
+                <a:solidFill>
+                  <a:schemeClr val="tx1"/>
+                </a:solidFill>
+                <a:latin typeface="맑은 고딕" panose="020B0503020000020004" pitchFamily="50" charset="-127"/>
+                <a:ea typeface="맑은 고딕" panose="020B0503020000020004" pitchFamily="50" charset="-127"/>
+              </a:defRPr>
+            </a:lvl4pPr>
+            <a:lvl5pPr marL="2057400" indent="-228600" latinLnBrk="1">
+              <a:spcBef>
+                <a:spcPct val="20000"/>
+              </a:spcBef>
+              <a:buFont typeface="Arial" panose="020B0604020202020204" pitchFamily="34" charset="0"/>
+              <a:buChar char="»"/>
+              <a:defRPr sz="2000">
+                <a:solidFill>
+                  <a:schemeClr val="tx1"/>
+                </a:solidFill>
+                <a:latin typeface="맑은 고딕" panose="020B0503020000020004" pitchFamily="50" charset="-127"/>
+                <a:ea typeface="맑은 고딕" panose="020B0503020000020004" pitchFamily="50" charset="-127"/>
+              </a:defRPr>
+            </a:lvl5pPr>
+            <a:lvl6pPr marL="2514600" indent="-228600" eaLnBrk="0" fontAlgn="base" hangingPunct="0">
+              <a:spcBef>
+                <a:spcPct val="20000"/>
+              </a:spcBef>
+              <a:spcAft>
+                <a:spcPct val="0"/>
+              </a:spcAft>
+              <a:buFont typeface="Arial" panose="020B0604020202020204" pitchFamily="34" charset="0"/>
+              <a:buChar char="»"/>
+              <a:defRPr sz="2000">
+                <a:solidFill>
+                  <a:schemeClr val="tx1"/>
+                </a:solidFill>
+                <a:latin typeface="맑은 고딕" panose="020B0503020000020004" pitchFamily="50" charset="-127"/>
+                <a:ea typeface="맑은 고딕" panose="020B0503020000020004" pitchFamily="50" charset="-127"/>
+              </a:defRPr>
+            </a:lvl6pPr>
+            <a:lvl7pPr marL="2971800" indent="-228600" eaLnBrk="0" fontAlgn="base" hangingPunct="0">
+              <a:spcBef>
+                <a:spcPct val="20000"/>
+              </a:spcBef>
+              <a:spcAft>
+                <a:spcPct val="0"/>
+              </a:spcAft>
+              <a:buFont typeface="Arial" panose="020B0604020202020204" pitchFamily="34" charset="0"/>
+              <a:buChar char="»"/>
+              <a:defRPr sz="2000">
+                <a:solidFill>
+                  <a:schemeClr val="tx1"/>
+                </a:solidFill>
+                <a:latin typeface="맑은 고딕" panose="020B0503020000020004" pitchFamily="50" charset="-127"/>
+                <a:ea typeface="맑은 고딕" panose="020B0503020000020004" pitchFamily="50" charset="-127"/>
+              </a:defRPr>
+            </a:lvl7pPr>
+            <a:lvl8pPr marL="3429000" indent="-228600" eaLnBrk="0" fontAlgn="base" hangingPunct="0">
+              <a:spcBef>
+                <a:spcPct val="20000"/>
+              </a:spcBef>
+              <a:spcAft>
+                <a:spcPct val="0"/>
+              </a:spcAft>
+              <a:buFont typeface="Arial" panose="020B0604020202020204" pitchFamily="34" charset="0"/>
+              <a:buChar char="»"/>
+              <a:defRPr sz="2000">
+                <a:solidFill>
+                  <a:schemeClr val="tx1"/>
+                </a:solidFill>
+                <a:latin typeface="맑은 고딕" panose="020B0503020000020004" pitchFamily="50" charset="-127"/>
+                <a:ea typeface="맑은 고딕" panose="020B0503020000020004" pitchFamily="50" charset="-127"/>
+              </a:defRPr>
+            </a:lvl8pPr>
+            <a:lvl9pPr marL="3886200" indent="-228600" eaLnBrk="0" fontAlgn="base" hangingPunct="0">
+              <a:spcBef>
+                <a:spcPct val="20000"/>
+              </a:spcBef>
+              <a:spcAft>
+                <a:spcPct val="0"/>
+              </a:spcAft>
+              <a:buFont typeface="Arial" panose="020B0604020202020204" pitchFamily="34" charset="0"/>
+              <a:buChar char="»"/>
+              <a:defRPr sz="2000">
+                <a:solidFill>
+                  <a:schemeClr val="tx1"/>
+                </a:solidFill>
+                <a:latin typeface="맑은 고딕" panose="020B0503020000020004" pitchFamily="50" charset="-127"/>
+                <a:ea typeface="맑은 고딕" panose="020B0503020000020004" pitchFamily="50" charset="-127"/>
+              </a:defRPr>
+            </a:lvl9pPr>
+          </a:lstStyle>
+          <a:p>
+            <a:pPr eaLnBrk="1" hangingPunct="1">
+              <a:spcBef>
+                <a:spcPct val="0"/>
+              </a:spcBef>
+              <a:buFontTx/>
+              <a:buNone/>
+            </a:pPr>
+            <a:r>
+              <a:rPr lang="en-US" altLang="ko-KR" sz="1800" b="1" dirty="0">
+                <a:solidFill>
+                  <a:schemeClr val="bg1"/>
+                </a:solidFill>
+              </a:rPr>
+              <a:t>3) </a:t>
+            </a:r>
+            <a:r>
+              <a:rPr lang="ko-KR" altLang="en-US" sz="1800" b="1" dirty="0">
+                <a:solidFill>
+                  <a:schemeClr val="bg1"/>
+                </a:solidFill>
+              </a:rPr>
+              <a:t>서버 프레임 워크</a:t>
+            </a:r>
+            <a:endParaRPr lang="ko-KR" altLang="en-US" sz="1800" dirty="0">
+              <a:solidFill>
+                <a:schemeClr val="bg1"/>
+              </a:solidFill>
+            </a:endParaRPr>
+          </a:p>
+        </p:txBody>
+      </p:sp>
+      <p:pic>
+        <p:nvPicPr>
+          <p:cNvPr id="5" name="그림 4">
+            <a:extLst>
+              <a:ext uri="{FF2B5EF4-FFF2-40B4-BE49-F238E27FC236}">
+                <a16:creationId xmlns:a16="http://schemas.microsoft.com/office/drawing/2014/main" id="{1E50A267-518E-43EE-A270-2C5721102397}"/>
+              </a:ext>
+            </a:extLst>
+          </p:cNvPr>
+          <p:cNvPicPr>
+            <a:picLocks noChangeAspect="1"/>
+          </p:cNvPicPr>
+          <p:nvPr/>
+        </p:nvPicPr>
+        <p:blipFill>
+          <a:blip r:embed="rId3"/>
+          <a:stretch>
+            <a:fillRect/>
+          </a:stretch>
+        </p:blipFill>
+        <p:spPr>
+          <a:xfrm>
+            <a:off x="522090" y="1706007"/>
+            <a:ext cx="8164710" cy="4526518"/>
+          </a:xfrm>
+          <a:prstGeom prst="rect">
+            <a:avLst/>
+          </a:prstGeom>
+        </p:spPr>
+      </p:pic>
+    </p:spTree>
+    <p:extLst>
+      <p:ext uri="{BB962C8B-B14F-4D97-AF65-F5344CB8AC3E}">
+        <p14:creationId xmlns:p14="http://schemas.microsoft.com/office/powerpoint/2010/main" val="1418412128"/>
+      </p:ext>
+    </p:extLst>
+  </p:cSld>
+  <p:clrMapOvr>
+    <a:masterClrMapping/>
+  </p:clrMapOvr>
+</p:sld>
+</file>
+
+<file path=ppt/slides/slide11.xml><?xml version="1.0" encoding="utf-8"?>
+<p:sld xmlns:a="http://schemas.openxmlformats.org/drawingml/2006/main" xmlns:r="http://schemas.openxmlformats.org/officeDocument/2006/relationships" xmlns:p="http://schemas.openxmlformats.org/presentationml/2006/main">
+  <p:cSld>
+    <p:spTree>
+      <p:nvGrpSpPr>
+        <p:cNvPr id="1" name=""/>
+        <p:cNvGrpSpPr/>
+        <p:nvPr/>
+      </p:nvGrpSpPr>
+      <p:grpSpPr>
+        <a:xfrm>
+          <a:off x="0" y="0"/>
+          <a:ext cx="0" cy="0"/>
+          <a:chOff x="0" y="0"/>
+          <a:chExt cx="0" cy="0"/>
+        </a:xfrm>
+      </p:grpSpPr>
+      <p:sp>
+        <p:nvSpPr>
+          <p:cNvPr id="75" name="TextBox 74">
+            <a:extLst>
+              <a:ext uri="{FF2B5EF4-FFF2-40B4-BE49-F238E27FC236}">
+                <a16:creationId xmlns:a16="http://schemas.microsoft.com/office/drawing/2014/main" id="{BA4456D3-E9BD-4B3E-8A6A-3412A6F13361}"/>
+              </a:ext>
+            </a:extLst>
+          </p:cNvPr>
+          <p:cNvSpPr txBox="1"/>
+          <p:nvPr/>
+        </p:nvSpPr>
+        <p:spPr>
+          <a:xfrm>
+            <a:off x="179388" y="404813"/>
+            <a:ext cx="1008062" cy="769937"/>
+          </a:xfrm>
+          <a:prstGeom prst="rect">
+            <a:avLst/>
+          </a:prstGeom>
+          <a:noFill/>
+        </p:spPr>
+        <p:txBody>
+          <a:bodyPr>
+            <a:spAutoFit/>
+          </a:bodyPr>
+          <a:lstStyle/>
+          <a:p>
+            <a:pPr eaLnBrk="1" fontAlgn="auto" latinLnBrk="1" hangingPunct="1">
+              <a:spcBef>
+                <a:spcPts val="0"/>
+              </a:spcBef>
+              <a:spcAft>
+                <a:spcPts val="0"/>
+              </a:spcAft>
+              <a:defRPr/>
+            </a:pPr>
+            <a:r>
+              <a:rPr lang="en-US" altLang="ko-KR" sz="4400" b="1" spc="-300" dirty="0">
+                <a:solidFill>
+                  <a:schemeClr val="bg1"/>
+                </a:solidFill>
+                <a:latin typeface="+mn-lt"/>
+                <a:ea typeface="+mn-ea"/>
+              </a:rPr>
+              <a:t>05</a:t>
+            </a:r>
+            <a:endParaRPr lang="ko-KR" altLang="en-US" b="1" spc="-300" dirty="0">
+              <a:solidFill>
+                <a:schemeClr val="bg1"/>
+              </a:solidFill>
+              <a:latin typeface="+mn-lt"/>
+              <a:ea typeface="+mn-ea"/>
+            </a:endParaRPr>
+          </a:p>
+        </p:txBody>
+      </p:sp>
+      <p:grpSp>
+        <p:nvGrpSpPr>
+          <p:cNvPr id="23555" name="그룹 76">
+            <a:extLst>
+              <a:ext uri="{FF2B5EF4-FFF2-40B4-BE49-F238E27FC236}">
+                <a16:creationId xmlns:a16="http://schemas.microsoft.com/office/drawing/2014/main" id="{F089DC5B-D5FD-48C8-BB29-0C2044D0F315}"/>
+              </a:ext>
+            </a:extLst>
+          </p:cNvPr>
+          <p:cNvGrpSpPr>
+            <a:grpSpLocks/>
+          </p:cNvGrpSpPr>
+          <p:nvPr/>
+        </p:nvGrpSpPr>
+        <p:grpSpPr bwMode="auto">
+          <a:xfrm>
+            <a:off x="966788" y="611188"/>
+            <a:ext cx="2957512" cy="431800"/>
+            <a:chOff x="1835696" y="2060848"/>
+            <a:chExt cx="2520280" cy="504056"/>
+          </a:xfrm>
+        </p:grpSpPr>
+        <p:sp>
+          <p:nvSpPr>
+            <p:cNvPr id="78" name="직사각형 77">
+              <a:extLst>
+                <a:ext uri="{FF2B5EF4-FFF2-40B4-BE49-F238E27FC236}">
+                  <a16:creationId xmlns:a16="http://schemas.microsoft.com/office/drawing/2014/main" id="{AC38D559-2708-43ED-88C5-190A764A5CCF}"/>
+                </a:ext>
+              </a:extLst>
+            </p:cNvPr>
+            <p:cNvSpPr/>
+            <p:nvPr/>
+          </p:nvSpPr>
+          <p:spPr>
+            <a:xfrm>
+              <a:off x="1835696" y="2060848"/>
+              <a:ext cx="2303831" cy="504056"/>
+            </a:xfrm>
+            <a:prstGeom prst="rect">
+              <a:avLst/>
+            </a:prstGeom>
+            <a:solidFill>
+              <a:schemeClr val="bg1"/>
+            </a:solidFill>
+            <a:ln>
+              <a:noFill/>
+            </a:ln>
+          </p:spPr>
+          <p:style>
+            <a:lnRef idx="2">
+              <a:schemeClr val="accent1">
+                <a:shade val="50000"/>
+              </a:schemeClr>
+            </a:lnRef>
+            <a:fillRef idx="1">
+              <a:schemeClr val="accent1"/>
+            </a:fillRef>
+            <a:effectRef idx="0">
+              <a:schemeClr val="accent1"/>
+            </a:effectRef>
+            <a:fontRef idx="minor">
+              <a:schemeClr val="lt1"/>
+            </a:fontRef>
+          </p:style>
+          <p:txBody>
+            <a:bodyPr anchor="ctr"/>
+            <a:lstStyle/>
+            <a:p>
+              <a:pPr algn="ctr" eaLnBrk="1" fontAlgn="auto" latinLnBrk="1" hangingPunct="1">
+                <a:spcBef>
+                  <a:spcPts val="0"/>
+                </a:spcBef>
+                <a:spcAft>
+                  <a:spcPts val="0"/>
+                </a:spcAft>
+                <a:defRPr/>
+              </a:pPr>
+              <a:endParaRPr lang="ko-KR" altLang="en-US">
+                <a:solidFill>
+                  <a:schemeClr val="bg1"/>
+                </a:solidFill>
+              </a:endParaRPr>
+            </a:p>
+          </p:txBody>
+        </p:sp>
+        <p:sp>
+          <p:nvSpPr>
+            <p:cNvPr id="79" name="타원 78">
+              <a:extLst>
+                <a:ext uri="{FF2B5EF4-FFF2-40B4-BE49-F238E27FC236}">
+                  <a16:creationId xmlns:a16="http://schemas.microsoft.com/office/drawing/2014/main" id="{86465956-7E85-47F3-A2B0-5B60D3CF2D15}"/>
+                </a:ext>
+              </a:extLst>
+            </p:cNvPr>
+            <p:cNvSpPr/>
+            <p:nvPr/>
+          </p:nvSpPr>
+          <p:spPr>
+            <a:xfrm>
+              <a:off x="3851379" y="2060848"/>
+              <a:ext cx="504597" cy="504056"/>
+            </a:xfrm>
+            <a:prstGeom prst="ellipse">
+              <a:avLst/>
+            </a:prstGeom>
+            <a:solidFill>
+              <a:schemeClr val="bg1"/>
+            </a:solidFill>
+            <a:ln>
+              <a:noFill/>
+            </a:ln>
+          </p:spPr>
+          <p:style>
+            <a:lnRef idx="2">
+              <a:schemeClr val="accent1">
+                <a:shade val="50000"/>
+              </a:schemeClr>
+            </a:lnRef>
+            <a:fillRef idx="1">
+              <a:schemeClr val="accent1"/>
+            </a:fillRef>
+            <a:effectRef idx="0">
+              <a:schemeClr val="accent1"/>
+            </a:effectRef>
+            <a:fontRef idx="minor">
+              <a:schemeClr val="lt1"/>
+            </a:fontRef>
+          </p:style>
+          <p:txBody>
+            <a:bodyPr anchor="ctr"/>
+            <a:lstStyle/>
+            <a:p>
+              <a:pPr algn="ctr" eaLnBrk="1" fontAlgn="auto" latinLnBrk="1" hangingPunct="1">
+                <a:spcBef>
+                  <a:spcPts val="0"/>
+                </a:spcBef>
+                <a:spcAft>
+                  <a:spcPts val="0"/>
+                </a:spcAft>
+                <a:defRPr/>
+              </a:pPr>
+              <a:endParaRPr lang="ko-KR" altLang="en-US"/>
+            </a:p>
+          </p:txBody>
+        </p:sp>
+      </p:grpSp>
+      <p:sp>
+        <p:nvSpPr>
+          <p:cNvPr id="23556" name="TextBox 8">
+            <a:extLst>
+              <a:ext uri="{FF2B5EF4-FFF2-40B4-BE49-F238E27FC236}">
+                <a16:creationId xmlns:a16="http://schemas.microsoft.com/office/drawing/2014/main" id="{AAFAEEE9-7B96-4D90-A60A-D8274ED06DCC}"/>
+              </a:ext>
+            </a:extLst>
+          </p:cNvPr>
+          <p:cNvSpPr txBox="1">
+            <a:spLocks noChangeArrowheads="1"/>
+          </p:cNvSpPr>
+          <p:nvPr/>
+        </p:nvSpPr>
+        <p:spPr bwMode="auto">
+          <a:xfrm>
+            <a:off x="1038225" y="625475"/>
+            <a:ext cx="2670175" cy="369332"/>
+          </a:xfrm>
+          <a:prstGeom prst="rect">
+            <a:avLst/>
+          </a:prstGeom>
+          <a:noFill/>
+          <a:ln>
+            <a:noFill/>
+          </a:ln>
+          <a:extLst>
+            <a:ext uri="{909E8E84-426E-40DD-AFC4-6F175D3DCCD1}">
+              <a14:hiddenFill xmlns:a14="http://schemas.microsoft.com/office/drawing/2010/main">
+                <a:solidFill>
+                  <a:srgbClr val="FFFFFF"/>
+                </a:solidFill>
+              </a14:hiddenFill>
+            </a:ext>
+            <a:ext uri="{91240B29-F687-4F45-9708-019B960494DF}">
+              <a14:hiddenLine xmlns:a14="http://schemas.microsoft.com/office/drawing/2010/main" w="9525">
+                <a:solidFill>
+                  <a:srgbClr val="000000"/>
+                </a:solidFill>
+                <a:miter lim="800000"/>
+                <a:headEnd/>
+                <a:tailEnd/>
+              </a14:hiddenLine>
+            </a:ext>
+          </a:extLst>
+        </p:spPr>
+        <p:txBody>
+          <a:bodyPr>
+            <a:spAutoFit/>
+          </a:bodyPr>
+          <a:lstStyle>
+            <a:lvl1pPr latinLnBrk="1">
+              <a:spcBef>
+                <a:spcPct val="20000"/>
+              </a:spcBef>
+              <a:buFont typeface="Arial" panose="020B0604020202020204" pitchFamily="34" charset="0"/>
+              <a:buChar char="•"/>
+              <a:defRPr sz="3200">
+                <a:solidFill>
+                  <a:schemeClr val="tx1"/>
+                </a:solidFill>
+                <a:latin typeface="맑은 고딕" panose="020B0503020000020004" pitchFamily="50" charset="-127"/>
+                <a:ea typeface="맑은 고딕" panose="020B0503020000020004" pitchFamily="50" charset="-127"/>
+              </a:defRPr>
+            </a:lvl1pPr>
+            <a:lvl2pPr marL="742950" indent="-285750" latinLnBrk="1">
+              <a:spcBef>
+                <a:spcPct val="20000"/>
+              </a:spcBef>
+              <a:buFont typeface="Arial" panose="020B0604020202020204" pitchFamily="34" charset="0"/>
+              <a:buChar char="–"/>
+              <a:defRPr sz="2800">
+                <a:solidFill>
+                  <a:schemeClr val="tx1"/>
+                </a:solidFill>
+                <a:latin typeface="맑은 고딕" panose="020B0503020000020004" pitchFamily="50" charset="-127"/>
+                <a:ea typeface="맑은 고딕" panose="020B0503020000020004" pitchFamily="50" charset="-127"/>
+              </a:defRPr>
+            </a:lvl2pPr>
+            <a:lvl3pPr marL="1143000" indent="-228600" latinLnBrk="1">
+              <a:spcBef>
+                <a:spcPct val="20000"/>
+              </a:spcBef>
+              <a:buFont typeface="Arial" panose="020B0604020202020204" pitchFamily="34" charset="0"/>
+              <a:buChar char="•"/>
+              <a:defRPr sz="2400">
+                <a:solidFill>
+                  <a:schemeClr val="tx1"/>
+                </a:solidFill>
+                <a:latin typeface="맑은 고딕" panose="020B0503020000020004" pitchFamily="50" charset="-127"/>
+                <a:ea typeface="맑은 고딕" panose="020B0503020000020004" pitchFamily="50" charset="-127"/>
+              </a:defRPr>
+            </a:lvl3pPr>
+            <a:lvl4pPr marL="1600200" indent="-228600" latinLnBrk="1">
+              <a:spcBef>
+                <a:spcPct val="20000"/>
+              </a:spcBef>
+              <a:buFont typeface="Arial" panose="020B0604020202020204" pitchFamily="34" charset="0"/>
+              <a:buChar char="–"/>
+              <a:defRPr sz="2000">
+                <a:solidFill>
+                  <a:schemeClr val="tx1"/>
+                </a:solidFill>
+                <a:latin typeface="맑은 고딕" panose="020B0503020000020004" pitchFamily="50" charset="-127"/>
+                <a:ea typeface="맑은 고딕" panose="020B0503020000020004" pitchFamily="50" charset="-127"/>
+              </a:defRPr>
+            </a:lvl4pPr>
+            <a:lvl5pPr marL="2057400" indent="-228600" latinLnBrk="1">
+              <a:spcBef>
+                <a:spcPct val="20000"/>
+              </a:spcBef>
+              <a:buFont typeface="Arial" panose="020B0604020202020204" pitchFamily="34" charset="0"/>
+              <a:buChar char="»"/>
+              <a:defRPr sz="2000">
+                <a:solidFill>
+                  <a:schemeClr val="tx1"/>
+                </a:solidFill>
+                <a:latin typeface="맑은 고딕" panose="020B0503020000020004" pitchFamily="50" charset="-127"/>
+                <a:ea typeface="맑은 고딕" panose="020B0503020000020004" pitchFamily="50" charset="-127"/>
+              </a:defRPr>
+            </a:lvl5pPr>
+            <a:lvl6pPr marL="2514600" indent="-228600" eaLnBrk="0" fontAlgn="base" hangingPunct="0">
+              <a:spcBef>
+                <a:spcPct val="20000"/>
+              </a:spcBef>
+              <a:spcAft>
+                <a:spcPct val="0"/>
+              </a:spcAft>
+              <a:buFont typeface="Arial" panose="020B0604020202020204" pitchFamily="34" charset="0"/>
+              <a:buChar char="»"/>
+              <a:defRPr sz="2000">
+                <a:solidFill>
+                  <a:schemeClr val="tx1"/>
+                </a:solidFill>
+                <a:latin typeface="맑은 고딕" panose="020B0503020000020004" pitchFamily="50" charset="-127"/>
+                <a:ea typeface="맑은 고딕" panose="020B0503020000020004" pitchFamily="50" charset="-127"/>
+              </a:defRPr>
+            </a:lvl6pPr>
+            <a:lvl7pPr marL="2971800" indent="-228600" eaLnBrk="0" fontAlgn="base" hangingPunct="0">
+              <a:spcBef>
+                <a:spcPct val="20000"/>
+              </a:spcBef>
+              <a:spcAft>
+                <a:spcPct val="0"/>
+              </a:spcAft>
+              <a:buFont typeface="Arial" panose="020B0604020202020204" pitchFamily="34" charset="0"/>
+              <a:buChar char="»"/>
+              <a:defRPr sz="2000">
+                <a:solidFill>
+                  <a:schemeClr val="tx1"/>
+                </a:solidFill>
+                <a:latin typeface="맑은 고딕" panose="020B0503020000020004" pitchFamily="50" charset="-127"/>
+                <a:ea typeface="맑은 고딕" panose="020B0503020000020004" pitchFamily="50" charset="-127"/>
+              </a:defRPr>
+            </a:lvl7pPr>
+            <a:lvl8pPr marL="3429000" indent="-228600" eaLnBrk="0" fontAlgn="base" hangingPunct="0">
+              <a:spcBef>
+                <a:spcPct val="20000"/>
+              </a:spcBef>
+              <a:spcAft>
+                <a:spcPct val="0"/>
+              </a:spcAft>
+              <a:buFont typeface="Arial" panose="020B0604020202020204" pitchFamily="34" charset="0"/>
+              <a:buChar char="»"/>
+              <a:defRPr sz="2000">
+                <a:solidFill>
+                  <a:schemeClr val="tx1"/>
+                </a:solidFill>
+                <a:latin typeface="맑은 고딕" panose="020B0503020000020004" pitchFamily="50" charset="-127"/>
+                <a:ea typeface="맑은 고딕" panose="020B0503020000020004" pitchFamily="50" charset="-127"/>
+              </a:defRPr>
+            </a:lvl8pPr>
+            <a:lvl9pPr marL="3886200" indent="-228600" eaLnBrk="0" fontAlgn="base" hangingPunct="0">
+              <a:spcBef>
+                <a:spcPct val="20000"/>
+              </a:spcBef>
+              <a:spcAft>
+                <a:spcPct val="0"/>
+              </a:spcAft>
+              <a:buFont typeface="Arial" panose="020B0604020202020204" pitchFamily="34" charset="0"/>
+              <a:buChar char="»"/>
+              <a:defRPr sz="2000">
+                <a:solidFill>
+                  <a:schemeClr val="tx1"/>
+                </a:solidFill>
+                <a:latin typeface="맑은 고딕" panose="020B0503020000020004" pitchFamily="50" charset="-127"/>
+                <a:ea typeface="맑은 고딕" panose="020B0503020000020004" pitchFamily="50" charset="-127"/>
+              </a:defRPr>
+            </a:lvl9pPr>
+          </a:lstStyle>
+          <a:p>
+            <a:pPr eaLnBrk="1" hangingPunct="1">
+              <a:spcBef>
+                <a:spcPct val="0"/>
+              </a:spcBef>
+              <a:buFontTx/>
+              <a:buNone/>
+            </a:pPr>
+            <a:r>
+              <a:rPr lang="ko-KR" altLang="en-US" sz="1800" b="1" dirty="0">
+                <a:solidFill>
+                  <a:schemeClr val="tx2"/>
+                </a:solidFill>
+              </a:rPr>
+              <a:t>개발내용</a:t>
+            </a:r>
+            <a:endParaRPr lang="ko-KR" altLang="en-US" sz="2000" b="1" dirty="0">
+              <a:solidFill>
+                <a:schemeClr val="tx2"/>
+              </a:solidFill>
+            </a:endParaRPr>
+          </a:p>
+        </p:txBody>
+      </p:sp>
+      <p:sp>
+        <p:nvSpPr>
+          <p:cNvPr id="6" name="슬라이드 번호 개체 틀 5">
+            <a:extLst>
+              <a:ext uri="{FF2B5EF4-FFF2-40B4-BE49-F238E27FC236}">
+                <a16:creationId xmlns:a16="http://schemas.microsoft.com/office/drawing/2014/main" id="{A9523967-16CA-404B-BF5C-F4CBD60B9590}"/>
+              </a:ext>
+            </a:extLst>
+          </p:cNvPr>
+          <p:cNvSpPr>
+            <a:spLocks noGrp="1"/>
+          </p:cNvSpPr>
+          <p:nvPr>
+            <p:ph type="sldNum" sz="quarter" idx="12"/>
+          </p:nvPr>
+        </p:nvSpPr>
+        <p:spPr/>
+        <p:txBody>
+          <a:bodyPr/>
+          <a:lstStyle/>
+          <a:p>
+            <a:pPr>
+              <a:defRPr/>
+            </a:pPr>
+            <a:fld id="{20A3CF77-C750-4FC6-9E8C-3F6525169A40}" type="slidenum">
+              <a:rPr lang="ko-KR" altLang="en-US" smtClean="0"/>
+              <a:pPr>
+                <a:defRPr/>
+              </a:pPr>
+              <a:t>11</a:t>
+            </a:fld>
+            <a:endParaRPr lang="ko-KR" altLang="en-US"/>
+          </a:p>
+        </p:txBody>
+      </p:sp>
+      <p:sp>
+        <p:nvSpPr>
+          <p:cNvPr id="12" name="직사각형 9">
+            <a:extLst>
+              <a:ext uri="{FF2B5EF4-FFF2-40B4-BE49-F238E27FC236}">
+                <a16:creationId xmlns:a16="http://schemas.microsoft.com/office/drawing/2014/main" id="{3833FE13-8AC6-4DA4-83CB-BF9F22C05997}"/>
+              </a:ext>
+            </a:extLst>
+          </p:cNvPr>
+          <p:cNvSpPr>
+            <a:spLocks noChangeArrowheads="1"/>
+          </p:cNvSpPr>
+          <p:nvPr/>
+        </p:nvSpPr>
+        <p:spPr bwMode="auto">
+          <a:xfrm>
+            <a:off x="900113" y="1196975"/>
+            <a:ext cx="2262158" cy="369332"/>
+          </a:xfrm>
+          <a:prstGeom prst="rect">
+            <a:avLst/>
+          </a:prstGeom>
+          <a:noFill/>
+          <a:ln>
+            <a:noFill/>
+          </a:ln>
+          <a:extLst>
+            <a:ext uri="{909E8E84-426E-40DD-AFC4-6F175D3DCCD1}">
+              <a14:hiddenFill xmlns:a14="http://schemas.microsoft.com/office/drawing/2010/main">
+                <a:solidFill>
+                  <a:srgbClr val="FFFFFF"/>
+                </a:solidFill>
+              </a14:hiddenFill>
+            </a:ext>
+            <a:ext uri="{91240B29-F687-4F45-9708-019B960494DF}">
+              <a14:hiddenLine xmlns:a14="http://schemas.microsoft.com/office/drawing/2010/main" w="9525">
+                <a:solidFill>
+                  <a:srgbClr val="000000"/>
+                </a:solidFill>
+                <a:miter lim="800000"/>
+                <a:headEnd/>
+                <a:tailEnd/>
+              </a14:hiddenLine>
+            </a:ext>
+          </a:extLst>
+        </p:spPr>
+        <p:txBody>
+          <a:bodyPr wrap="none">
+            <a:spAutoFit/>
+          </a:bodyPr>
+          <a:lstStyle>
+            <a:lvl1pPr latinLnBrk="1">
+              <a:spcBef>
+                <a:spcPct val="20000"/>
+              </a:spcBef>
+              <a:buFont typeface="Arial" panose="020B0604020202020204" pitchFamily="34" charset="0"/>
+              <a:buChar char="•"/>
+              <a:defRPr sz="3200">
+                <a:solidFill>
+                  <a:schemeClr val="tx1"/>
+                </a:solidFill>
+                <a:latin typeface="맑은 고딕" panose="020B0503020000020004" pitchFamily="50" charset="-127"/>
+                <a:ea typeface="맑은 고딕" panose="020B0503020000020004" pitchFamily="50" charset="-127"/>
+              </a:defRPr>
+            </a:lvl1pPr>
+            <a:lvl2pPr marL="742950" indent="-285750" latinLnBrk="1">
+              <a:spcBef>
+                <a:spcPct val="20000"/>
+              </a:spcBef>
+              <a:buFont typeface="Arial" panose="020B0604020202020204" pitchFamily="34" charset="0"/>
+              <a:buChar char="–"/>
+              <a:defRPr sz="2800">
+                <a:solidFill>
+                  <a:schemeClr val="tx1"/>
+                </a:solidFill>
+                <a:latin typeface="맑은 고딕" panose="020B0503020000020004" pitchFamily="50" charset="-127"/>
+                <a:ea typeface="맑은 고딕" panose="020B0503020000020004" pitchFamily="50" charset="-127"/>
+              </a:defRPr>
+            </a:lvl2pPr>
+            <a:lvl3pPr marL="1143000" indent="-228600" latinLnBrk="1">
+              <a:spcBef>
+                <a:spcPct val="20000"/>
+              </a:spcBef>
+              <a:buFont typeface="Arial" panose="020B0604020202020204" pitchFamily="34" charset="0"/>
+              <a:buChar char="•"/>
+              <a:defRPr sz="2400">
+                <a:solidFill>
+                  <a:schemeClr val="tx1"/>
+                </a:solidFill>
+                <a:latin typeface="맑은 고딕" panose="020B0503020000020004" pitchFamily="50" charset="-127"/>
+                <a:ea typeface="맑은 고딕" panose="020B0503020000020004" pitchFamily="50" charset="-127"/>
+              </a:defRPr>
+            </a:lvl3pPr>
+            <a:lvl4pPr marL="1600200" indent="-228600" latinLnBrk="1">
+              <a:spcBef>
+                <a:spcPct val="20000"/>
+              </a:spcBef>
+              <a:buFont typeface="Arial" panose="020B0604020202020204" pitchFamily="34" charset="0"/>
+              <a:buChar char="–"/>
+              <a:defRPr sz="2000">
+                <a:solidFill>
+                  <a:schemeClr val="tx1"/>
+                </a:solidFill>
+                <a:latin typeface="맑은 고딕" panose="020B0503020000020004" pitchFamily="50" charset="-127"/>
+                <a:ea typeface="맑은 고딕" panose="020B0503020000020004" pitchFamily="50" charset="-127"/>
+              </a:defRPr>
+            </a:lvl4pPr>
+            <a:lvl5pPr marL="2057400" indent="-228600" latinLnBrk="1">
+              <a:spcBef>
+                <a:spcPct val="20000"/>
+              </a:spcBef>
+              <a:buFont typeface="Arial" panose="020B0604020202020204" pitchFamily="34" charset="0"/>
+              <a:buChar char="»"/>
+              <a:defRPr sz="2000">
+                <a:solidFill>
+                  <a:schemeClr val="tx1"/>
+                </a:solidFill>
+                <a:latin typeface="맑은 고딕" panose="020B0503020000020004" pitchFamily="50" charset="-127"/>
+                <a:ea typeface="맑은 고딕" panose="020B0503020000020004" pitchFamily="50" charset="-127"/>
+              </a:defRPr>
+            </a:lvl5pPr>
+            <a:lvl6pPr marL="2514600" indent="-228600" eaLnBrk="0" fontAlgn="base" hangingPunct="0">
+              <a:spcBef>
+                <a:spcPct val="20000"/>
+              </a:spcBef>
+              <a:spcAft>
+                <a:spcPct val="0"/>
+              </a:spcAft>
+              <a:buFont typeface="Arial" panose="020B0604020202020204" pitchFamily="34" charset="0"/>
+              <a:buChar char="»"/>
+              <a:defRPr sz="2000">
+                <a:solidFill>
+                  <a:schemeClr val="tx1"/>
+                </a:solidFill>
+                <a:latin typeface="맑은 고딕" panose="020B0503020000020004" pitchFamily="50" charset="-127"/>
+                <a:ea typeface="맑은 고딕" panose="020B0503020000020004" pitchFamily="50" charset="-127"/>
+              </a:defRPr>
+            </a:lvl6pPr>
+            <a:lvl7pPr marL="2971800" indent="-228600" eaLnBrk="0" fontAlgn="base" hangingPunct="0">
+              <a:spcBef>
+                <a:spcPct val="20000"/>
+              </a:spcBef>
+              <a:spcAft>
+                <a:spcPct val="0"/>
+              </a:spcAft>
+              <a:buFont typeface="Arial" panose="020B0604020202020204" pitchFamily="34" charset="0"/>
+              <a:buChar char="»"/>
+              <a:defRPr sz="2000">
+                <a:solidFill>
+                  <a:schemeClr val="tx1"/>
+                </a:solidFill>
+                <a:latin typeface="맑은 고딕" panose="020B0503020000020004" pitchFamily="50" charset="-127"/>
+                <a:ea typeface="맑은 고딕" panose="020B0503020000020004" pitchFamily="50" charset="-127"/>
+              </a:defRPr>
+            </a:lvl7pPr>
+            <a:lvl8pPr marL="3429000" indent="-228600" eaLnBrk="0" fontAlgn="base" hangingPunct="0">
+              <a:spcBef>
+                <a:spcPct val="20000"/>
+              </a:spcBef>
+              <a:spcAft>
+                <a:spcPct val="0"/>
+              </a:spcAft>
+              <a:buFont typeface="Arial" panose="020B0604020202020204" pitchFamily="34" charset="0"/>
+              <a:buChar char="»"/>
+              <a:defRPr sz="2000">
+                <a:solidFill>
+                  <a:schemeClr val="tx1"/>
+                </a:solidFill>
+                <a:latin typeface="맑은 고딕" panose="020B0503020000020004" pitchFamily="50" charset="-127"/>
+                <a:ea typeface="맑은 고딕" panose="020B0503020000020004" pitchFamily="50" charset="-127"/>
+              </a:defRPr>
+            </a:lvl8pPr>
+            <a:lvl9pPr marL="3886200" indent="-228600" eaLnBrk="0" fontAlgn="base" hangingPunct="0">
+              <a:spcBef>
+                <a:spcPct val="20000"/>
+              </a:spcBef>
+              <a:spcAft>
+                <a:spcPct val="0"/>
+              </a:spcAft>
+              <a:buFont typeface="Arial" panose="020B0604020202020204" pitchFamily="34" charset="0"/>
+              <a:buChar char="»"/>
+              <a:defRPr sz="2000">
+                <a:solidFill>
+                  <a:schemeClr val="tx1"/>
+                </a:solidFill>
+                <a:latin typeface="맑은 고딕" panose="020B0503020000020004" pitchFamily="50" charset="-127"/>
+                <a:ea typeface="맑은 고딕" panose="020B0503020000020004" pitchFamily="50" charset="-127"/>
+              </a:defRPr>
+            </a:lvl9pPr>
+          </a:lstStyle>
+          <a:p>
+            <a:pPr eaLnBrk="1" hangingPunct="1">
+              <a:spcBef>
+                <a:spcPct val="0"/>
+              </a:spcBef>
+              <a:buFontTx/>
+              <a:buNone/>
+            </a:pPr>
+            <a:r>
+              <a:rPr lang="en-US" altLang="ko-KR" sz="1800" b="1" dirty="0">
+                <a:solidFill>
+                  <a:schemeClr val="bg1"/>
+                </a:solidFill>
+              </a:rPr>
+              <a:t>4) </a:t>
+            </a:r>
+            <a:r>
+              <a:rPr lang="ko-KR" altLang="en-US" sz="1800" b="1" dirty="0">
+                <a:solidFill>
+                  <a:schemeClr val="bg1"/>
+                </a:solidFill>
+              </a:rPr>
+              <a:t>서버 프레임 워크</a:t>
+            </a:r>
+            <a:endParaRPr lang="ko-KR" altLang="en-US" sz="1800" dirty="0">
+              <a:solidFill>
+                <a:schemeClr val="bg1"/>
+              </a:solidFill>
+            </a:endParaRPr>
+          </a:p>
+        </p:txBody>
+      </p:sp>
+      <p:pic>
+        <p:nvPicPr>
+          <p:cNvPr id="5" name="그림 4">
+            <a:extLst>
+              <a:ext uri="{FF2B5EF4-FFF2-40B4-BE49-F238E27FC236}">
+                <a16:creationId xmlns:a16="http://schemas.microsoft.com/office/drawing/2014/main" id="{7A5A7488-F365-405E-AF8F-2D1220DFA4FB}"/>
+              </a:ext>
+            </a:extLst>
+          </p:cNvPr>
+          <p:cNvPicPr>
+            <a:picLocks noChangeAspect="1"/>
+          </p:cNvPicPr>
+          <p:nvPr/>
+        </p:nvPicPr>
+        <p:blipFill>
+          <a:blip r:embed="rId3"/>
+          <a:stretch>
+            <a:fillRect/>
+          </a:stretch>
+        </p:blipFill>
+        <p:spPr>
+          <a:xfrm>
+            <a:off x="509451" y="1720294"/>
+            <a:ext cx="8177349" cy="4412218"/>
+          </a:xfrm>
+          <a:prstGeom prst="rect">
+            <a:avLst/>
+          </a:prstGeom>
+        </p:spPr>
+      </p:pic>
+    </p:spTree>
+    <p:extLst>
+      <p:ext uri="{BB962C8B-B14F-4D97-AF65-F5344CB8AC3E}">
+        <p14:creationId xmlns:p14="http://schemas.microsoft.com/office/powerpoint/2010/main" val="1623269442"/>
+      </p:ext>
+    </p:extLst>
+  </p:cSld>
+  <p:clrMapOvr>
+    <a:masterClrMapping/>
+  </p:clrMapOvr>
+</p:sld>
+</file>
+
+<file path=ppt/slides/slide12.xml><?xml version="1.0" encoding="utf-8"?>
+<p:sld xmlns:a="http://schemas.openxmlformats.org/drawingml/2006/main" xmlns:r="http://schemas.openxmlformats.org/officeDocument/2006/relationships" xmlns:p="http://schemas.openxmlformats.org/presentationml/2006/main">
+  <p:cSld>
+    <p:spTree>
+      <p:nvGrpSpPr>
+        <p:cNvPr id="1" name=""/>
+        <p:cNvGrpSpPr/>
+        <p:nvPr/>
+      </p:nvGrpSpPr>
+      <p:grpSpPr>
+        <a:xfrm>
+          <a:off x="0" y="0"/>
+          <a:ext cx="0" cy="0"/>
+          <a:chOff x="0" y="0"/>
+          <a:chExt cx="0" cy="0"/>
+        </a:xfrm>
+      </p:grpSpPr>
+      <p:sp>
+        <p:nvSpPr>
+          <p:cNvPr id="75" name="TextBox 74">
+            <a:extLst>
+              <a:ext uri="{FF2B5EF4-FFF2-40B4-BE49-F238E27FC236}">
                 <a16:creationId xmlns:a16="http://schemas.microsoft.com/office/drawing/2014/main" id="{5A2FAF38-A402-4957-ACA6-4EEDFE25E97A}"/>
               </a:ext>
             </a:extLst>
@@ -19716,7 +21964,7 @@
                 </a:solidFill>
                 <a:ea typeface="맑은 고딕"/>
               </a:rPr>
-              <a:t>지속적인 오프라인 만남을 통해 서로의 진행상황을 실시간으로 공유하고 깃을 이용한 프로젝트 관리 활용 </a:t>
+              <a:t>지속적인 오프라인 만남을 통해 서로의 진행 상황을 실시간으로 공유하고 깃을 이용한 프로젝트 관리 활용 </a:t>
             </a:r>
           </a:p>
         </p:txBody>
@@ -20060,7 +22308,7 @@
               <a:pPr>
                 <a:defRPr/>
               </a:pPr>
-              <a:t>10</a:t>
+              <a:t>12</a:t>
             </a:fld>
             <a:endParaRPr lang="ko-KR" altLang="en-US"/>
           </a:p>
@@ -20079,7 +22327,7 @@
 </p:sld>
 </file>
 
-<file path=ppt/slides/slide11.xml><?xml version="1.0" encoding="utf-8"?>
+<file path=ppt/slides/slide13.xml><?xml version="1.0" encoding="utf-8"?>
 <p:sld xmlns:a="http://schemas.openxmlformats.org/drawingml/2006/main" xmlns:r="http://schemas.openxmlformats.org/officeDocument/2006/relationships" xmlns:p="http://schemas.openxmlformats.org/presentationml/2006/main">
   <p:cSld>
     <p:spTree>
@@ -20577,7 +22825,7 @@
               <a:pPr>
                 <a:defRPr/>
               </a:pPr>
-              <a:t>11</a:t>
+              <a:t>13</a:t>
             </a:fld>
             <a:endParaRPr lang="ko-KR" altLang="en-US"/>
           </a:p>
@@ -20842,7 +23090,7 @@
 </p:sld>
 </file>
 
-<file path=ppt/slides/slide12.xml><?xml version="1.0" encoding="utf-8"?>
+<file path=ppt/slides/slide14.xml><?xml version="1.0" encoding="utf-8"?>
 <p:sld xmlns:a="http://schemas.openxmlformats.org/drawingml/2006/main" xmlns:r="http://schemas.openxmlformats.org/officeDocument/2006/relationships" xmlns:p="http://schemas.openxmlformats.org/presentationml/2006/main">
   <p:cSld>
     <p:spTree>
@@ -21296,7 +23544,7 @@
           <p:nvPr>
             <p:extLst>
               <p:ext uri="{D42A27DB-BD31-4B8C-83A1-F6EECF244321}">
-                <p14:modId xmlns:p14="http://schemas.microsoft.com/office/powerpoint/2010/main" val="1893019390"/>
+                <p14:modId xmlns:p14="http://schemas.microsoft.com/office/powerpoint/2010/main" val="2535778028"/>
               </p:ext>
             </p:extLst>
           </p:nvPr>
@@ -21340,7 +23588,7 @@
               <a:pPr>
                 <a:defRPr/>
               </a:pPr>
-              <a:t>12</a:t>
+              <a:t>14</a:t>
             </a:fld>
             <a:endParaRPr lang="ko-KR" altLang="en-US"/>
           </a:p>
@@ -21605,7 +23853,7 @@
 </p:sld>
 </file>
 
-<file path=ppt/slides/slide13.xml><?xml version="1.0" encoding="utf-8"?>
+<file path=ppt/slides/slide15.xml><?xml version="1.0" encoding="utf-8"?>
 <p:sld xmlns:a="http://schemas.openxmlformats.org/drawingml/2006/main" xmlns:r="http://schemas.openxmlformats.org/officeDocument/2006/relationships" xmlns:p="http://schemas.openxmlformats.org/presentationml/2006/main">
   <p:cSld>
     <p:spTree>
@@ -22444,7 +24692,7 @@
               <a:pPr>
                 <a:defRPr/>
               </a:pPr>
-              <a:t>13</a:t>
+              <a:t>15</a:t>
             </a:fld>
             <a:endParaRPr lang="ko-KR" altLang="en-US"/>
           </a:p>
@@ -22749,7 +24997,7 @@
 </p:sld>
 </file>
 
-<file path=ppt/slides/slide14.xml><?xml version="1.0" encoding="utf-8"?>
+<file path=ppt/slides/slide16.xml><?xml version="1.0" encoding="utf-8"?>
 <p:sld xmlns:a="http://schemas.openxmlformats.org/drawingml/2006/main" xmlns:r="http://schemas.openxmlformats.org/officeDocument/2006/relationships" xmlns:p="http://schemas.openxmlformats.org/presentationml/2006/main">
   <p:cSld>
     <p:spTree>
@@ -23484,7 +25732,7 @@
               <a:pPr>
                 <a:defRPr/>
               </a:pPr>
-              <a:t>14</a:t>
+              <a:t>16</a:t>
             </a:fld>
             <a:endParaRPr lang="ko-KR" altLang="en-US"/>
           </a:p>
@@ -23498,7 +25746,7 @@
 </p:sld>
 </file>
 
-<file path=ppt/slides/slide15.xml><?xml version="1.0" encoding="utf-8"?>
+<file path=ppt/slides/slide17.xml><?xml version="1.0" encoding="utf-8"?>
 <p:sld xmlns:a="http://schemas.openxmlformats.org/drawingml/2006/main" xmlns:r="http://schemas.openxmlformats.org/officeDocument/2006/relationships" xmlns:p="http://schemas.openxmlformats.org/presentationml/2006/main">
   <p:cSld>
     <p:spTree>
@@ -24544,7 +26792,7 @@
               <a:pPr>
                 <a:defRPr/>
               </a:pPr>
-              <a:t>15</a:t>
+              <a:t>17</a:t>
             </a:fld>
             <a:endParaRPr lang="ko-KR" altLang="en-US"/>
           </a:p>
@@ -24558,7 +26806,7 @@
 </p:sld>
 </file>
 
-<file path=ppt/slides/slide16.xml><?xml version="1.0" encoding="utf-8"?>
+<file path=ppt/slides/slide18.xml><?xml version="1.0" encoding="utf-8"?>
 <p:sld xmlns:a="http://schemas.openxmlformats.org/drawingml/2006/main" xmlns:r="http://schemas.openxmlformats.org/officeDocument/2006/relationships" xmlns:p="http://schemas.openxmlformats.org/presentationml/2006/main">
   <p:cSld>
     <p:spTree>
@@ -25675,7 +27923,7 @@
               <a:pPr>
                 <a:defRPr/>
               </a:pPr>
-              <a:t>16</a:t>
+              <a:t>18</a:t>
             </a:fld>
             <a:endParaRPr lang="ko-KR" altLang="en-US"/>
           </a:p>
@@ -25694,7 +27942,7 @@
 </p:sld>
 </file>
 
-<file path=ppt/slides/slide17.xml><?xml version="1.0" encoding="utf-8"?>
+<file path=ppt/slides/slide19.xml><?xml version="1.0" encoding="utf-8"?>
 <p:sld xmlns:a="http://schemas.openxmlformats.org/drawingml/2006/main" xmlns:r="http://schemas.openxmlformats.org/officeDocument/2006/relationships" xmlns:p="http://schemas.openxmlformats.org/presentationml/2006/main">
   <p:cSld>
     <p:spTree>
@@ -26576,7 +28824,7 @@
               <a:pPr>
                 <a:defRPr/>
               </a:pPr>
-              <a:t>17</a:t>
+              <a:t>19</a:t>
             </a:fld>
             <a:endParaRPr lang="ko-KR" altLang="en-US"/>
           </a:p>
@@ -34063,31 +36311,7 @@
               <a:rPr lang="ko-KR" altLang="en-US" dirty="0">
                 <a:ea typeface="맑은 고딕"/>
               </a:rPr>
-              <a:t>씬 </a:t>
-            </a:r>
-            <a:r>
-              <a:rPr lang="ko-KR" altLang="en-US" dirty="0" err="1">
-                <a:ea typeface="맑은 고딕"/>
-              </a:rPr>
-              <a:t>메니져와</a:t>
-            </a:r>
-            <a:r>
-              <a:rPr lang="ko-KR" altLang="en-US" dirty="0">
-                <a:ea typeface="맑은 고딕"/>
-              </a:rPr>
-              <a:t> 게임 </a:t>
-            </a:r>
-            <a:r>
-              <a:rPr lang="ko-KR" altLang="en-US" dirty="0" err="1">
-                <a:ea typeface="맑은 고딕"/>
-              </a:rPr>
-              <a:t>매니져를</a:t>
-            </a:r>
-            <a:r>
-              <a:rPr lang="ko-KR" altLang="en-US" dirty="0">
-                <a:ea typeface="맑은 고딕"/>
-              </a:rPr>
-              <a:t> 통한 </a:t>
+              <a:t>씬 매니저와 게임 매니저를 통한 </a:t>
             </a:r>
             <a:r>
               <a:rPr lang="ko-KR" altLang="en-US" dirty="0" err="1">
@@ -34604,7 +36828,7 @@
         <p:spPr bwMode="auto">
           <a:xfrm>
             <a:off x="900113" y="1196975"/>
-            <a:ext cx="4624984" cy="369332"/>
+            <a:ext cx="6234399" cy="369332"/>
           </a:xfrm>
           <a:prstGeom prst="rect">
             <a:avLst/>
@@ -34840,6 +37064,30 @@
                 </a:solidFill>
               </a:rPr>
               <a:t>충돌 처리</a:t>
+            </a:r>
+            <a:r>
+              <a:rPr lang="en-US" altLang="ko-KR" sz="1800" b="1" dirty="0">
+                <a:solidFill>
+                  <a:schemeClr val="bg1"/>
+                </a:solidFill>
+              </a:rPr>
+              <a:t>, </a:t>
+            </a:r>
+            <a:r>
+              <a:rPr lang="ko-KR" altLang="en-US" sz="1800" b="1" dirty="0">
+                <a:solidFill>
+                  <a:schemeClr val="bg1"/>
+                </a:solidFill>
+              </a:rPr>
+              <a:t>오브젝트 </a:t>
+            </a:r>
+            <a:r>
+              <a:rPr lang="ko-KR" altLang="en-US" sz="1800" b="1" dirty="0" err="1">
+                <a:solidFill>
+                  <a:schemeClr val="bg1"/>
+                </a:solidFill>
+              </a:rPr>
+              <a:t>풀링</a:t>
             </a:r>
             <a:endParaRPr lang="ko-KR" altLang="en-US" sz="1800" dirty="0">
               <a:solidFill>
@@ -34903,7 +37151,7 @@
         <p:spPr>
           <a:xfrm>
             <a:off x="862013" y="5291692"/>
-            <a:ext cx="7561262" cy="1075771"/>
+            <a:ext cx="7561262" cy="1331177"/>
           </a:xfrm>
           <a:prstGeom prst="rect">
             <a:avLst/>
@@ -35039,6 +37287,9 @@
               </a:rPr>
               <a:t>오브젝트들 간 충돌 처리 적용</a:t>
             </a:r>
+            <a:endParaRPr lang="en-US" altLang="ko-KR" dirty="0">
+              <a:ea typeface="맑은 고딕"/>
+            </a:endParaRPr>
           </a:p>
         </p:txBody>
       </p:sp>
@@ -35622,12 +37873,6 @@
 </file>
 
 <file path=customXml/item1.xml><?xml version="1.0" encoding="utf-8"?>
-<p:properties xmlns:p="http://schemas.microsoft.com/office/2006/metadata/properties" xmlns:xsi="http://www.w3.org/2001/XMLSchema-instance" xmlns:pc="http://schemas.microsoft.com/office/infopath/2007/PartnerControls">
-  <documentManagement/>
-</p:properties>
-</file>
-
-<file path=customXml/item2.xml><?xml version="1.0" encoding="utf-8"?>
 <ct:contentTypeSchema xmlns:ct="http://schemas.microsoft.com/office/2006/metadata/contentType" xmlns:ma="http://schemas.microsoft.com/office/2006/metadata/properties/metaAttributes" ct:_="" ma:_="" ma:contentTypeName="문서" ma:contentTypeID="0x010100AB878E01F303B8478CEB75E5AED0817A" ma:contentTypeVersion="7" ma:contentTypeDescription="새 문서를 만듭니다." ma:contentTypeScope="" ma:versionID="fbeb5efc454f6e0af3a24ee52947e549">
   <xsd:schema xmlns:xsd="http://www.w3.org/2001/XMLSchema" xmlns:xs="http://www.w3.org/2001/XMLSchema" xmlns:p="http://schemas.microsoft.com/office/2006/metadata/properties" xmlns:ns3="04409646-2f61-4cf4-aae7-4c1eb1a4b130" targetNamespace="http://schemas.microsoft.com/office/2006/metadata/properties" ma:root="true" ma:fieldsID="651a2fbc7edf91fa3c3035f14f1ecf22" ns3:_="">
     <xsd:import namespace="04409646-2f61-4cf4-aae7-4c1eb1a4b130"/>
@@ -35791,6 +38036,12 @@
 </ct:contentTypeSchema>
 </file>
 
+<file path=customXml/item2.xml><?xml version="1.0" encoding="utf-8"?>
+<p:properties xmlns:p="http://schemas.microsoft.com/office/2006/metadata/properties" xmlns:xsi="http://www.w3.org/2001/XMLSchema-instance" xmlns:pc="http://schemas.microsoft.com/office/infopath/2007/PartnerControls">
+  <documentManagement/>
+</p:properties>
+</file>
+
 <file path=customXml/item3.xml><?xml version="1.0" encoding="utf-8"?>
 <?mso-contentType ?>
 <FormTemplates xmlns="http://schemas.microsoft.com/sharepoint/v3/contenttype/forms">
@@ -35801,22 +38052,6 @@
 </file>
 
 <file path=customXml/itemProps1.xml><?xml version="1.0" encoding="utf-8"?>
-<ds:datastoreItem xmlns:ds="http://schemas.openxmlformats.org/officeDocument/2006/customXml" ds:itemID="{4889F10F-CE73-4AEC-ADEF-12951F88791D}">
-  <ds:schemaRefs>
-    <ds:schemaRef ds:uri="http://purl.org/dc/elements/1.1/"/>
-    <ds:schemaRef ds:uri="http://purl.org/dc/dcmitype/"/>
-    <ds:schemaRef ds:uri="http://schemas.openxmlformats.org/package/2006/metadata/core-properties"/>
-    <ds:schemaRef ds:uri="04409646-2f61-4cf4-aae7-4c1eb1a4b130"/>
-    <ds:schemaRef ds:uri="http://schemas.microsoft.com/office/2006/documentManagement/types"/>
-    <ds:schemaRef ds:uri="http://www.w3.org/XML/1998/namespace"/>
-    <ds:schemaRef ds:uri="http://purl.org/dc/terms/"/>
-    <ds:schemaRef ds:uri="http://schemas.microsoft.com/office/infopath/2007/PartnerControls"/>
-    <ds:schemaRef ds:uri="http://schemas.microsoft.com/office/2006/metadata/properties"/>
-  </ds:schemaRefs>
-</ds:datastoreItem>
-</file>
-
-<file path=customXml/itemProps2.xml><?xml version="1.0" encoding="utf-8"?>
 <ds:datastoreItem xmlns:ds="http://schemas.openxmlformats.org/officeDocument/2006/customXml" ds:itemID="{3A3154A7-F743-4D57-A5EF-E26FDFD37CD0}">
   <ds:schemaRefs>
     <ds:schemaRef ds:uri="http://schemas.microsoft.com/office/2006/metadata/contentType"/>
@@ -35834,6 +38069,22 @@
 </ds:datastoreItem>
 </file>
 
+<file path=customXml/itemProps2.xml><?xml version="1.0" encoding="utf-8"?>
+<ds:datastoreItem xmlns:ds="http://schemas.openxmlformats.org/officeDocument/2006/customXml" ds:itemID="{4889F10F-CE73-4AEC-ADEF-12951F88791D}">
+  <ds:schemaRefs>
+    <ds:schemaRef ds:uri="http://purl.org/dc/elements/1.1/"/>
+    <ds:schemaRef ds:uri="http://purl.org/dc/dcmitype/"/>
+    <ds:schemaRef ds:uri="http://schemas.openxmlformats.org/package/2006/metadata/core-properties"/>
+    <ds:schemaRef ds:uri="04409646-2f61-4cf4-aae7-4c1eb1a4b130"/>
+    <ds:schemaRef ds:uri="http://schemas.microsoft.com/office/2006/documentManagement/types"/>
+    <ds:schemaRef ds:uri="http://www.w3.org/XML/1998/namespace"/>
+    <ds:schemaRef ds:uri="http://purl.org/dc/terms/"/>
+    <ds:schemaRef ds:uri="http://schemas.microsoft.com/office/infopath/2007/PartnerControls"/>
+    <ds:schemaRef ds:uri="http://schemas.microsoft.com/office/2006/metadata/properties"/>
+  </ds:schemaRefs>
+</ds:datastoreItem>
+</file>
+
 <file path=customXml/itemProps3.xml><?xml version="1.0" encoding="utf-8"?>
 <ds:datastoreItem xmlns:ds="http://schemas.openxmlformats.org/officeDocument/2006/customXml" ds:itemID="{3AA616D0-47C8-40AE-B04A-7166E7AB6CE9}">
   <ds:schemaRefs>
